--- a/docs/presentations/s6-spring-2021/preso-s6-spring-2021.pptx
+++ b/docs/presentations/s6-spring-2021/preso-s6-spring-2021.pptx
@@ -26,15 +26,6 @@
     <p:sldId id="274" r:id="rId20"/>
     <p:sldId id="275" r:id="rId21"/>
     <p:sldId id="276" r:id="rId22"/>
-    <p:sldId id="277" r:id="rId23"/>
-    <p:sldId id="278" r:id="rId24"/>
-    <p:sldId id="279" r:id="rId25"/>
-    <p:sldId id="280" r:id="rId26"/>
-    <p:sldId id="281" r:id="rId27"/>
-    <p:sldId id="282" r:id="rId28"/>
-    <p:sldId id="283" r:id="rId29"/>
-    <p:sldId id="284" r:id="rId30"/>
-    <p:sldId id="285" r:id="rId31"/>
   </p:sldIdLst>
   <p:sldSz cx="9144000" cy="5143500" type="screen16x9"/>
   <p:notesSz cx="6858000" cy="9144000"/>
@@ -3242,7 +3233,7 @@
             <a:pPr lvl="0"/>
             <a:r>
               <a:rPr/>
-              <a:t>The Nutty Cuckoo Super Kings - 170/6 (20.0) defeated Dusk Risers - 148/8 (19.0)</a:t>
+              <a:t>The Nutty Cuckoo Super Kings - 107/8 (18.3) def by Major Paine - 109/3 (13.1)</a:t>
             </a:r>
           </a:p>
           <a:p>
@@ -3253,53 +3244,10 @@
             </a:r>
           </a:p>
           <a:p>
-            <a:pPr lvl="2"/>
-            <a:r>
-              <a:rPr/>
-              <a:t>Ruwen Moodley - 53* (29)</a:t>
-            </a:r>
-          </a:p>
-          <a:p>
-            <a:pPr lvl="2"/>
-            <a:r>
-              <a:rPr/>
-              <a:t>Ben Cull - 41 (20)</a:t>
-            </a:r>
-          </a:p>
-          <a:p>
-            <a:pPr lvl="2"/>
-            <a:r>
-              <a:rPr/>
-              <a:t>Daniel Dymond - 29 (19)</a:t>
-            </a:r>
-            <a:br/>
-          </a:p>
-          <a:p>
             <a:pPr lvl="1"/>
             <a:r>
               <a:rPr/>
               <a:t>Bowling</a:t>
-            </a:r>
-          </a:p>
-          <a:p>
-            <a:pPr lvl="2"/>
-            <a:r>
-              <a:rPr/>
-              <a:t>Jimmy Day - 4/15 (3)</a:t>
-            </a:r>
-          </a:p>
-          <a:p>
-            <a:pPr lvl="2"/>
-            <a:r>
-              <a:rPr/>
-              <a:t>Hemu Bhardwaj - 2/26 (4)</a:t>
-            </a:r>
-          </a:p>
-          <a:p>
-            <a:pPr lvl="2"/>
-            <a:r>
-              <a:rPr/>
-              <a:t>Rohan Bythell-Douglas - 1/22 (2)</a:t>
             </a:r>
           </a:p>
         </p:txBody>
@@ -3369,35 +3317,35 @@
             <a:pPr lvl="0"/>
             <a:r>
               <a:rPr/>
-              <a:t>1 votes - Dan</a:t>
+              <a:t>1 votes - Ronnie</a:t>
             </a:r>
           </a:p>
           <a:p>
             <a:pPr lvl="0"/>
             <a:r>
               <a:rPr/>
-              <a:t>2 votes - Hemu</a:t>
+              <a:t>2 votes - Jimmy</a:t>
             </a:r>
           </a:p>
           <a:p>
             <a:pPr lvl="0"/>
             <a:r>
               <a:rPr/>
-              <a:t>3 votes - Ruwen</a:t>
+              <a:t>3 votes - Sheraz</a:t>
             </a:r>
           </a:p>
           <a:p>
             <a:pPr lvl="0"/>
             <a:r>
               <a:rPr/>
-              <a:t>4 votes - Ben</a:t>
+              <a:t>4 votes - Pat</a:t>
             </a:r>
           </a:p>
           <a:p>
             <a:pPr lvl="0"/>
             <a:r>
               <a:rPr/>
-              <a:t>5 votes - Jimmy</a:t>
+              <a:t>5 votes - Alex</a:t>
             </a:r>
           </a:p>
         </p:txBody>
@@ -3518,22 +3466,22 @@
                       </a:pPr>
                       <a:r>
                         <a:rPr/>
-                        <a:t>Jimmy</a:t>
-                      </a:r>
-                    </a:p>
-                  </a:txBody>
-                </a:tc>
-                <a:tc>
-                  <a:txBody>
-                    <a:bodyPr/>
-                    <a:lstStyle/>
-                    <a:p>
-                      <a:pPr lvl="0" indent="0" marL="0" algn="ctr">
-                        <a:buNone/>
-                      </a:pPr>
-                      <a:r>
-                        <a:rPr/>
-                        <a:t>9</a:t>
+                        <a:t>Alex</a:t>
+                      </a:r>
+                    </a:p>
+                  </a:txBody>
+                </a:tc>
+                <a:tc>
+                  <a:txBody>
+                    <a:bodyPr/>
+                    <a:lstStyle/>
+                    <a:p>
+                      <a:pPr lvl="0" indent="0" marL="0" algn="ctr">
+                        <a:buNone/>
+                      </a:pPr>
+                      <a:r>
+                        <a:rPr/>
+                        <a:t>5</a:t>
                       </a:r>
                     </a:p>
                   </a:txBody>
@@ -3550,7 +3498,7 @@
                       </a:pPr>
                       <a:r>
                         <a:rPr/>
-                        <a:t>Pat</a:t>
+                        <a:t>Mick</a:t>
                       </a:r>
                     </a:p>
                   </a:txBody>
@@ -3582,7 +3530,7 @@
                       </a:pPr>
                       <a:r>
                         <a:rPr/>
-                        <a:t>Ben</a:t>
+                        <a:t>Pat</a:t>
                       </a:r>
                     </a:p>
                   </a:txBody>
@@ -3614,22 +3562,22 @@
                       </a:pPr>
                       <a:r>
                         <a:rPr/>
-                        <a:t>Ruwen</a:t>
-                      </a:r>
-                    </a:p>
-                  </a:txBody>
-                </a:tc>
-                <a:tc>
-                  <a:txBody>
-                    <a:bodyPr/>
-                    <a:lstStyle/>
-                    <a:p>
-                      <a:pPr lvl="0" indent="0" marL="0" algn="ctr">
-                        <a:buNone/>
-                      </a:pPr>
-                      <a:r>
-                        <a:rPr/>
-                        <a:t>3</a:t>
+                        <a:t>Rohan</a:t>
+                      </a:r>
+                    </a:p>
+                  </a:txBody>
+                </a:tc>
+                <a:tc>
+                  <a:txBody>
+                    <a:bodyPr/>
+                    <a:lstStyle/>
+                    <a:p>
+                      <a:pPr lvl="0" indent="0" marL="0" algn="ctr">
+                        <a:buNone/>
+                      </a:pPr>
+                      <a:r>
+                        <a:rPr/>
+                        <a:t>4</a:t>
                       </a:r>
                     </a:p>
                   </a:txBody>
@@ -3646,22 +3594,22 @@
                       </a:pPr>
                       <a:r>
                         <a:rPr/>
-                        <a:t>Surya</a:t>
-                      </a:r>
-                    </a:p>
-                  </a:txBody>
-                </a:tc>
-                <a:tc>
-                  <a:txBody>
-                    <a:bodyPr/>
-                    <a:lstStyle/>
-                    <a:p>
-                      <a:pPr lvl="0" indent="0" marL="0" algn="ctr">
-                        <a:buNone/>
-                      </a:pPr>
-                      <a:r>
-                        <a:rPr/>
-                        <a:t>3</a:t>
+                        <a:t>Ronnie</a:t>
+                      </a:r>
+                    </a:p>
+                  </a:txBody>
+                </a:tc>
+                <a:tc>
+                  <a:txBody>
+                    <a:bodyPr/>
+                    <a:lstStyle/>
+                    <a:p>
+                      <a:pPr lvl="0" indent="0" marL="0" algn="ctr">
+                        <a:buNone/>
+                      </a:pPr>
+                      <a:r>
+                        <a:rPr/>
+                        <a:t>4</a:t>
                       </a:r>
                     </a:p>
                   </a:txBody>
@@ -3678,22 +3626,22 @@
                       </a:pPr>
                       <a:r>
                         <a:rPr/>
-                        <a:t>Dan</a:t>
-                      </a:r>
-                    </a:p>
-                  </a:txBody>
-                </a:tc>
-                <a:tc>
-                  <a:txBody>
-                    <a:bodyPr/>
-                    <a:lstStyle/>
-                    <a:p>
-                      <a:pPr lvl="0" indent="0" marL="0" algn="ctr">
-                        <a:buNone/>
-                      </a:pPr>
-                      <a:r>
-                        <a:rPr/>
-                        <a:t>2</a:t>
+                        <a:t>Sheraz</a:t>
+                      </a:r>
+                    </a:p>
+                  </a:txBody>
+                </a:tc>
+                <a:tc>
+                  <a:txBody>
+                    <a:bodyPr/>
+                    <a:lstStyle/>
+                    <a:p>
+                      <a:pPr lvl="0" indent="0" marL="0" algn="ctr">
+                        <a:buNone/>
+                      </a:pPr>
+                      <a:r>
+                        <a:rPr/>
+                        <a:t>4</a:t>
                       </a:r>
                     </a:p>
                   </a:txBody>
@@ -3710,7 +3658,7 @@
                       </a:pPr>
                       <a:r>
                         <a:rPr/>
-                        <a:t>Hemu</a:t>
+                        <a:t>Jake</a:t>
                       </a:r>
                     </a:p>
                   </a:txBody>
@@ -3742,7 +3690,7 @@
                       </a:pPr>
                       <a:r>
                         <a:rPr/>
-                        <a:t>Mike</a:t>
+                        <a:t>Jimmy</a:t>
                       </a:r>
                     </a:p>
                   </a:txBody>
@@ -3832,7 +3780,7 @@
             <a:pPr lvl="0"/>
             <a:r>
               <a:rPr/>
-              <a:t>The Nutty Cuckoo Super Kings - 144/7 (20.0) defeated Rhodesian Warthogs - 136/4 (20.0)</a:t>
+              <a:t>Melbourne Dolphins - 182/5 (20.0) defeated The Nutty Cuckoo Super Kings - 156/5 (20.0)</a:t>
             </a:r>
           </a:p>
           <a:p>
@@ -3843,53 +3791,10 @@
             </a:r>
           </a:p>
           <a:p>
-            <a:pPr lvl="2"/>
-            <a:r>
-              <a:rPr/>
-              <a:t>Ronald Victor - 54 (38)</a:t>
-            </a:r>
-          </a:p>
-          <a:p>
-            <a:pPr lvl="2"/>
-            <a:r>
-              <a:rPr/>
-              <a:t>Reza Mohammed - 51* (35)</a:t>
-            </a:r>
-          </a:p>
-          <a:p>
-            <a:pPr lvl="2"/>
-            <a:r>
-              <a:rPr/>
-              <a:t>Pat Danaher - 15 (16)</a:t>
-            </a:r>
-            <a:br/>
-          </a:p>
-          <a:p>
             <a:pPr lvl="1"/>
             <a:r>
               <a:rPr/>
               <a:t>Bowling</a:t>
-            </a:r>
-          </a:p>
-          <a:p>
-            <a:pPr lvl="2"/>
-            <a:r>
-              <a:rPr/>
-              <a:t>Ben Cull - 1/9 (2)</a:t>
-            </a:r>
-          </a:p>
-          <a:p>
-            <a:pPr lvl="2"/>
-            <a:r>
-              <a:rPr/>
-              <a:t>Reza Mohammed - 1/19 (3)</a:t>
-            </a:r>
-          </a:p>
-          <a:p>
-            <a:pPr lvl="2"/>
-            <a:r>
-              <a:rPr/>
-              <a:t>Hemu Bhardwaj - 1/27 (4)</a:t>
             </a:r>
           </a:p>
         </p:txBody>
@@ -3959,35 +3864,35 @@
             <a:pPr lvl="0"/>
             <a:r>
               <a:rPr/>
-              <a:t>1 votes - Rohan</a:t>
+              <a:t>1 votes - Josh</a:t>
             </a:r>
           </a:p>
           <a:p>
             <a:pPr lvl="0"/>
             <a:r>
               <a:rPr/>
-              <a:t>2 votes - Jimmy</a:t>
+              <a:t>2 votes - Sheraz</a:t>
             </a:r>
           </a:p>
           <a:p>
             <a:pPr lvl="0"/>
             <a:r>
               <a:rPr/>
-              <a:t>3 votes - Reza</a:t>
+              <a:t>3 votes - Rohan</a:t>
             </a:r>
           </a:p>
           <a:p>
             <a:pPr lvl="0"/>
             <a:r>
               <a:rPr/>
-              <a:t>4 votes - Ronnie</a:t>
+              <a:t>4 votes - Jimmy</a:t>
             </a:r>
           </a:p>
           <a:p>
             <a:pPr lvl="0"/>
             <a:r>
               <a:rPr/>
-              <a:t>5 votes - Mike</a:t>
+              <a:t>5 votes - Reza</a:t>
             </a:r>
           </a:p>
         </p:txBody>
@@ -4108,22 +4013,22 @@
                       </a:pPr>
                       <a:r>
                         <a:rPr/>
-                        <a:t>Jimmy</a:t>
-                      </a:r>
-                    </a:p>
-                  </a:txBody>
-                </a:tc>
-                <a:tc>
-                  <a:txBody>
-                    <a:bodyPr/>
-                    <a:lstStyle/>
-                    <a:p>
-                      <a:pPr lvl="0" indent="0" marL="0" algn="ctr">
-                        <a:buNone/>
-                      </a:pPr>
-                      <a:r>
-                        <a:rPr/>
-                        <a:t>11</a:t>
+                        <a:t>Rohan</a:t>
+                      </a:r>
+                    </a:p>
+                  </a:txBody>
+                </a:tc>
+                <a:tc>
+                  <a:txBody>
+                    <a:bodyPr/>
+                    <a:lstStyle/>
+                    <a:p>
+                      <a:pPr lvl="0" indent="0" marL="0" algn="ctr">
+                        <a:buNone/>
+                      </a:pPr>
+                      <a:r>
+                        <a:rPr/>
+                        <a:t>7</a:t>
                       </a:r>
                     </a:p>
                   </a:txBody>
@@ -4140,22 +4045,22 @@
                       </a:pPr>
                       <a:r>
                         <a:rPr/>
-                        <a:t>Mike</a:t>
-                      </a:r>
-                    </a:p>
-                  </a:txBody>
-                </a:tc>
-                <a:tc>
-                  <a:txBody>
-                    <a:bodyPr/>
-                    <a:lstStyle/>
-                    <a:p>
-                      <a:pPr lvl="0" indent="0" marL="0" algn="ctr">
-                        <a:buNone/>
-                      </a:pPr>
-                      <a:r>
-                        <a:rPr/>
-                        <a:t>7</a:t>
+                        <a:t>Jimmy</a:t>
+                      </a:r>
+                    </a:p>
+                  </a:txBody>
+                </a:tc>
+                <a:tc>
+                  <a:txBody>
+                    <a:bodyPr/>
+                    <a:lstStyle/>
+                    <a:p>
+                      <a:pPr lvl="0" indent="0" marL="0" algn="ctr">
+                        <a:buNone/>
+                      </a:pPr>
+                      <a:r>
+                        <a:rPr/>
+                        <a:t>6</a:t>
                       </a:r>
                     </a:p>
                   </a:txBody>
@@ -4172,22 +4077,22 @@
                       </a:pPr>
                       <a:r>
                         <a:rPr/>
-                        <a:t>Pat</a:t>
-                      </a:r>
-                    </a:p>
-                  </a:txBody>
-                </a:tc>
-                <a:tc>
-                  <a:txBody>
-                    <a:bodyPr/>
-                    <a:lstStyle/>
-                    <a:p>
-                      <a:pPr lvl="0" indent="0" marL="0" algn="ctr">
-                        <a:buNone/>
-                      </a:pPr>
-                      <a:r>
-                        <a:rPr/>
-                        <a:t>5</a:t>
+                        <a:t>Sheraz</a:t>
+                      </a:r>
+                    </a:p>
+                  </a:txBody>
+                </a:tc>
+                <a:tc>
+                  <a:txBody>
+                    <a:bodyPr/>
+                    <a:lstStyle/>
+                    <a:p>
+                      <a:pPr lvl="0" indent="0" marL="0" algn="ctr">
+                        <a:buNone/>
+                      </a:pPr>
+                      <a:r>
+                        <a:rPr/>
+                        <a:t>6</a:t>
                       </a:r>
                     </a:p>
                   </a:txBody>
@@ -4204,22 +4109,22 @@
                       </a:pPr>
                       <a:r>
                         <a:rPr/>
-                        <a:t>Ben</a:t>
-                      </a:r>
-                    </a:p>
-                  </a:txBody>
-                </a:tc>
-                <a:tc>
-                  <a:txBody>
-                    <a:bodyPr/>
-                    <a:lstStyle/>
-                    <a:p>
-                      <a:pPr lvl="0" indent="0" marL="0" algn="ctr">
-                        <a:buNone/>
-                      </a:pPr>
-                      <a:r>
-                        <a:rPr/>
-                        <a:t>4</a:t>
+                        <a:t>Alex</a:t>
+                      </a:r>
+                    </a:p>
+                  </a:txBody>
+                </a:tc>
+                <a:tc>
+                  <a:txBody>
+                    <a:bodyPr/>
+                    <a:lstStyle/>
+                    <a:p>
+                      <a:pPr lvl="0" indent="0" marL="0" algn="ctr">
+                        <a:buNone/>
+                      </a:pPr>
+                      <a:r>
+                        <a:rPr/>
+                        <a:t>5</a:t>
                       </a:r>
                     </a:p>
                   </a:txBody>
@@ -4236,22 +4141,22 @@
                       </a:pPr>
                       <a:r>
                         <a:rPr/>
-                        <a:t>Ronnie</a:t>
-                      </a:r>
-                    </a:p>
-                  </a:txBody>
-                </a:tc>
-                <a:tc>
-                  <a:txBody>
-                    <a:bodyPr/>
-                    <a:lstStyle/>
-                    <a:p>
-                      <a:pPr lvl="0" indent="0" marL="0" algn="ctr">
-                        <a:buNone/>
-                      </a:pPr>
-                      <a:r>
-                        <a:rPr/>
-                        <a:t>4</a:t>
+                        <a:t>Mick</a:t>
+                      </a:r>
+                    </a:p>
+                  </a:txBody>
+                </a:tc>
+                <a:tc>
+                  <a:txBody>
+                    <a:bodyPr/>
+                    <a:lstStyle/>
+                    <a:p>
+                      <a:pPr lvl="0" indent="0" marL="0" algn="ctr">
+                        <a:buNone/>
+                      </a:pPr>
+                      <a:r>
+                        <a:rPr/>
+                        <a:t>5</a:t>
                       </a:r>
                     </a:p>
                   </a:txBody>
@@ -4283,7 +4188,7 @@
                       </a:pPr>
                       <a:r>
                         <a:rPr/>
-                        <a:t>3</a:t>
+                        <a:t>5</a:t>
                       </a:r>
                     </a:p>
                   </a:txBody>
@@ -4300,22 +4205,22 @@
                       </a:pPr>
                       <a:r>
                         <a:rPr/>
-                        <a:t>Ruwen</a:t>
-                      </a:r>
-                    </a:p>
-                  </a:txBody>
-                </a:tc>
-                <a:tc>
-                  <a:txBody>
-                    <a:bodyPr/>
-                    <a:lstStyle/>
-                    <a:p>
-                      <a:pPr lvl="0" indent="0" marL="0" algn="ctr">
-                        <a:buNone/>
-                      </a:pPr>
-                      <a:r>
-                        <a:rPr/>
-                        <a:t>3</a:t>
+                        <a:t>Pat</a:t>
+                      </a:r>
+                    </a:p>
+                  </a:txBody>
+                </a:tc>
+                <a:tc>
+                  <a:txBody>
+                    <a:bodyPr/>
+                    <a:lstStyle/>
+                    <a:p>
+                      <a:pPr lvl="0" indent="0" marL="0" algn="ctr">
+                        <a:buNone/>
+                      </a:pPr>
+                      <a:r>
+                        <a:rPr/>
+                        <a:t>4</a:t>
                       </a:r>
                     </a:p>
                   </a:txBody>
@@ -4332,22 +4237,22 @@
                       </a:pPr>
                       <a:r>
                         <a:rPr/>
-                        <a:t>Surya</a:t>
-                      </a:r>
-                    </a:p>
-                  </a:txBody>
-                </a:tc>
-                <a:tc>
-                  <a:txBody>
-                    <a:bodyPr/>
-                    <a:lstStyle/>
-                    <a:p>
-                      <a:pPr lvl="0" indent="0" marL="0" algn="ctr">
-                        <a:buNone/>
-                      </a:pPr>
-                      <a:r>
-                        <a:rPr/>
-                        <a:t>3</a:t>
+                        <a:t>Ronnie</a:t>
+                      </a:r>
+                    </a:p>
+                  </a:txBody>
+                </a:tc>
+                <a:tc>
+                  <a:txBody>
+                    <a:bodyPr/>
+                    <a:lstStyle/>
+                    <a:p>
+                      <a:pPr lvl="0" indent="0" marL="0" algn="ctr">
+                        <a:buNone/>
+                      </a:pPr>
+                      <a:r>
+                        <a:rPr/>
+                        <a:t>4</a:t>
                       </a:r>
                     </a:p>
                   </a:txBody>
@@ -4364,7 +4269,7 @@
                       </a:pPr>
                       <a:r>
                         <a:rPr/>
-                        <a:t>Dan</a:t>
+                        <a:t>Jake</a:t>
                       </a:r>
                     </a:p>
                   </a:txBody>
@@ -4396,39 +4301,7 @@
                       </a:pPr>
                       <a:r>
                         <a:rPr/>
-                        <a:t>Hemu</a:t>
-                      </a:r>
-                    </a:p>
-                  </a:txBody>
-                </a:tc>
-                <a:tc>
-                  <a:txBody>
-                    <a:bodyPr/>
-                    <a:lstStyle/>
-                    <a:p>
-                      <a:pPr lvl="0" indent="0" marL="0" algn="ctr">
-                        <a:buNone/>
-                      </a:pPr>
-                      <a:r>
-                        <a:rPr/>
-                        <a:t>2</a:t>
-                      </a:r>
-                    </a:p>
-                  </a:txBody>
-                </a:tc>
-              </a:tr>
-              <a:tr h="0">
-                <a:tc>
-                  <a:txBody>
-                    <a:bodyPr/>
-                    <a:lstStyle/>
-                    <a:p>
-                      <a:pPr lvl="0" indent="0" marL="0" algn="ctr">
-                        <a:buNone/>
-                      </a:pPr>
-                      <a:r>
-                        <a:rPr/>
-                        <a:t>Rohan</a:t>
+                        <a:t>Josh</a:t>
                       </a:r>
                     </a:p>
                   </a:txBody>
@@ -4518,7 +4391,7 @@
             <a:pPr lvl="0"/>
             <a:r>
               <a:rPr/>
-              <a:t>We’ve got the Runs - 142/6 (20.0) def by The Nutty Cuckoo Super Kings - 145/5 (17.3)</a:t>
+              <a:t>The Nutty Cuckoo Super Kings - 129/4 (20.0) def by Melbourne Arrack - 130/1 (13.3)</a:t>
             </a:r>
           </a:p>
           <a:p>
@@ -4529,53 +4402,10 @@
             </a:r>
           </a:p>
           <a:p>
-            <a:pPr lvl="2"/>
-            <a:r>
-              <a:rPr/>
-              <a:t>Reza Mohammed - 42 (29)</a:t>
-            </a:r>
-          </a:p>
-          <a:p>
-            <a:pPr lvl="2"/>
-            <a:r>
-              <a:rPr/>
-              <a:t>Ben Cull - 40* (23)</a:t>
-            </a:r>
-          </a:p>
-          <a:p>
-            <a:pPr lvl="2"/>
-            <a:r>
-              <a:rPr/>
-              <a:t>Mike Johnston - 34 (19)</a:t>
-            </a:r>
-            <a:br/>
-          </a:p>
-          <a:p>
             <a:pPr lvl="1"/>
             <a:r>
               <a:rPr/>
               <a:t>Bowling</a:t>
-            </a:r>
-          </a:p>
-          <a:p>
-            <a:pPr lvl="2"/>
-            <a:r>
-              <a:rPr/>
-              <a:t>Mike Johnston - 2/20 (4)</a:t>
-            </a:r>
-          </a:p>
-          <a:p>
-            <a:pPr lvl="2"/>
-            <a:r>
-              <a:rPr/>
-              <a:t>Hemu Bhardwaj - 2/21 (3)</a:t>
-            </a:r>
-          </a:p>
-          <a:p>
-            <a:pPr lvl="2"/>
-            <a:r>
-              <a:rPr/>
-              <a:t>Jimmy Day - 1/5 (2)</a:t>
             </a:r>
           </a:p>
         </p:txBody>
@@ -4645,35 +4475,35 @@
             <a:pPr lvl="0"/>
             <a:r>
               <a:rPr/>
-              <a:t>1 votes - Hemu</a:t>
+              <a:t>1 votes - Ben</a:t>
             </a:r>
           </a:p>
           <a:p>
             <a:pPr lvl="0"/>
             <a:r>
               <a:rPr/>
-              <a:t>2 votes - Peely</a:t>
+              <a:t>2 votes - Raza</a:t>
             </a:r>
           </a:p>
           <a:p>
             <a:pPr lvl="0"/>
             <a:r>
               <a:rPr/>
-              <a:t>3 votes - Reza</a:t>
+              <a:t>3 votes - Dan</a:t>
             </a:r>
           </a:p>
           <a:p>
             <a:pPr lvl="0"/>
             <a:r>
               <a:rPr/>
-              <a:t>4 votes - Ben</a:t>
+              <a:t>4 votes - Peely</a:t>
             </a:r>
           </a:p>
           <a:p>
             <a:pPr lvl="0"/>
             <a:r>
               <a:rPr/>
-              <a:t>5 votes - Mike</a:t>
+              <a:t>5 votes - Jimmy</a:t>
             </a:r>
           </a:p>
         </p:txBody>
@@ -4794,22 +4624,22 @@
                       </a:pPr>
                       <a:r>
                         <a:rPr/>
-                        <a:t>Mike</a:t>
-                      </a:r>
-                    </a:p>
-                  </a:txBody>
-                </a:tc>
-                <a:tc>
-                  <a:txBody>
-                    <a:bodyPr/>
-                    <a:lstStyle/>
-                    <a:p>
-                      <a:pPr lvl="0" indent="0" marL="0" algn="ctr">
-                        <a:buNone/>
-                      </a:pPr>
-                      <a:r>
-                        <a:rPr/>
-                        <a:t>12</a:t>
+                        <a:t>Jimmy</a:t>
+                      </a:r>
+                    </a:p>
+                  </a:txBody>
+                </a:tc>
+                <a:tc>
+                  <a:txBody>
+                    <a:bodyPr/>
+                    <a:lstStyle/>
+                    <a:p>
+                      <a:pPr lvl="0" indent="0" marL="0" algn="ctr">
+                        <a:buNone/>
+                      </a:pPr>
+                      <a:r>
+                        <a:rPr/>
+                        <a:t>11</a:t>
                       </a:r>
                     </a:p>
                   </a:txBody>
@@ -4826,22 +4656,22 @@
                       </a:pPr>
                       <a:r>
                         <a:rPr/>
-                        <a:t>Jimmy</a:t>
-                      </a:r>
-                    </a:p>
-                  </a:txBody>
-                </a:tc>
-                <a:tc>
-                  <a:txBody>
-                    <a:bodyPr/>
-                    <a:lstStyle/>
-                    <a:p>
-                      <a:pPr lvl="0" indent="0" marL="0" algn="ctr">
-                        <a:buNone/>
-                      </a:pPr>
-                      <a:r>
-                        <a:rPr/>
-                        <a:t>11</a:t>
+                        <a:t>Rohan</a:t>
+                      </a:r>
+                    </a:p>
+                  </a:txBody>
+                </a:tc>
+                <a:tc>
+                  <a:txBody>
+                    <a:bodyPr/>
+                    <a:lstStyle/>
+                    <a:p>
+                      <a:pPr lvl="0" indent="0" marL="0" algn="ctr">
+                        <a:buNone/>
+                      </a:pPr>
+                      <a:r>
+                        <a:rPr/>
+                        <a:t>7</a:t>
                       </a:r>
                     </a:p>
                   </a:txBody>
@@ -4858,22 +4688,22 @@
                       </a:pPr>
                       <a:r>
                         <a:rPr/>
-                        <a:t>Ben</a:t>
-                      </a:r>
-                    </a:p>
-                  </a:txBody>
-                </a:tc>
-                <a:tc>
-                  <a:txBody>
-                    <a:bodyPr/>
-                    <a:lstStyle/>
-                    <a:p>
-                      <a:pPr lvl="0" indent="0" marL="0" algn="ctr">
-                        <a:buNone/>
-                      </a:pPr>
-                      <a:r>
-                        <a:rPr/>
-                        <a:t>8</a:t>
+                        <a:t>Sheraz</a:t>
+                      </a:r>
+                    </a:p>
+                  </a:txBody>
+                </a:tc>
+                <a:tc>
+                  <a:txBody>
+                    <a:bodyPr/>
+                    <a:lstStyle/>
+                    <a:p>
+                      <a:pPr lvl="0" indent="0" marL="0" algn="ctr">
+                        <a:buNone/>
+                      </a:pPr>
+                      <a:r>
+                        <a:rPr/>
+                        <a:t>6</a:t>
                       </a:r>
                     </a:p>
                   </a:txBody>
@@ -4890,22 +4720,22 @@
                       </a:pPr>
                       <a:r>
                         <a:rPr/>
-                        <a:t>Reza</a:t>
-                      </a:r>
-                    </a:p>
-                  </a:txBody>
-                </a:tc>
-                <a:tc>
-                  <a:txBody>
-                    <a:bodyPr/>
-                    <a:lstStyle/>
-                    <a:p>
-                      <a:pPr lvl="0" indent="0" marL="0" algn="ctr">
-                        <a:buNone/>
-                      </a:pPr>
-                      <a:r>
-                        <a:rPr/>
-                        <a:t>6</a:t>
+                        <a:t>Alex</a:t>
+                      </a:r>
+                    </a:p>
+                  </a:txBody>
+                </a:tc>
+                <a:tc>
+                  <a:txBody>
+                    <a:bodyPr/>
+                    <a:lstStyle/>
+                    <a:p>
+                      <a:pPr lvl="0" indent="0" marL="0" algn="ctr">
+                        <a:buNone/>
+                      </a:pPr>
+                      <a:r>
+                        <a:rPr/>
+                        <a:t>5</a:t>
                       </a:r>
                     </a:p>
                   </a:txBody>
@@ -4922,7 +4752,7 @@
                       </a:pPr>
                       <a:r>
                         <a:rPr/>
-                        <a:t>Pat</a:t>
+                        <a:t>Mick</a:t>
                       </a:r>
                     </a:p>
                   </a:txBody>
@@ -4954,22 +4784,22 @@
                       </a:pPr>
                       <a:r>
                         <a:rPr/>
-                        <a:t>Ronnie</a:t>
-                      </a:r>
-                    </a:p>
-                  </a:txBody>
-                </a:tc>
-                <a:tc>
-                  <a:txBody>
-                    <a:bodyPr/>
-                    <a:lstStyle/>
-                    <a:p>
-                      <a:pPr lvl="0" indent="0" marL="0" algn="ctr">
-                        <a:buNone/>
-                      </a:pPr>
-                      <a:r>
-                        <a:rPr/>
-                        <a:t>4</a:t>
+                        <a:t>Reza</a:t>
+                      </a:r>
+                    </a:p>
+                  </a:txBody>
+                </a:tc>
+                <a:tc>
+                  <a:txBody>
+                    <a:bodyPr/>
+                    <a:lstStyle/>
+                    <a:p>
+                      <a:pPr lvl="0" indent="0" marL="0" algn="ctr">
+                        <a:buNone/>
+                      </a:pPr>
+                      <a:r>
+                        <a:rPr/>
+                        <a:t>5</a:t>
                       </a:r>
                     </a:p>
                   </a:txBody>
@@ -4986,22 +4816,22 @@
                       </a:pPr>
                       <a:r>
                         <a:rPr/>
-                        <a:t>Hemu</a:t>
-                      </a:r>
-                    </a:p>
-                  </a:txBody>
-                </a:tc>
-                <a:tc>
-                  <a:txBody>
-                    <a:bodyPr/>
-                    <a:lstStyle/>
-                    <a:p>
-                      <a:pPr lvl="0" indent="0" marL="0" algn="ctr">
-                        <a:buNone/>
-                      </a:pPr>
-                      <a:r>
-                        <a:rPr/>
-                        <a:t>3</a:t>
+                        <a:t>Pat</a:t>
+                      </a:r>
+                    </a:p>
+                  </a:txBody>
+                </a:tc>
+                <a:tc>
+                  <a:txBody>
+                    <a:bodyPr/>
+                    <a:lstStyle/>
+                    <a:p>
+                      <a:pPr lvl="0" indent="0" marL="0" algn="ctr">
+                        <a:buNone/>
+                      </a:pPr>
+                      <a:r>
+                        <a:rPr/>
+                        <a:t>4</a:t>
                       </a:r>
                     </a:p>
                   </a:txBody>
@@ -5018,22 +4848,22 @@
                       </a:pPr>
                       <a:r>
                         <a:rPr/>
-                        <a:t>Ruwen</a:t>
-                      </a:r>
-                    </a:p>
-                  </a:txBody>
-                </a:tc>
-                <a:tc>
-                  <a:txBody>
-                    <a:bodyPr/>
-                    <a:lstStyle/>
-                    <a:p>
-                      <a:pPr lvl="0" indent="0" marL="0" algn="ctr">
-                        <a:buNone/>
-                      </a:pPr>
-                      <a:r>
-                        <a:rPr/>
-                        <a:t>3</a:t>
+                        <a:t>Peely</a:t>
+                      </a:r>
+                    </a:p>
+                  </a:txBody>
+                </a:tc>
+                <a:tc>
+                  <a:txBody>
+                    <a:bodyPr/>
+                    <a:lstStyle/>
+                    <a:p>
+                      <a:pPr lvl="0" indent="0" marL="0" algn="ctr">
+                        <a:buNone/>
+                      </a:pPr>
+                      <a:r>
+                        <a:rPr/>
+                        <a:t>4</a:t>
                       </a:r>
                     </a:p>
                   </a:txBody>
@@ -5050,22 +4880,22 @@
                       </a:pPr>
                       <a:r>
                         <a:rPr/>
-                        <a:t>Surya</a:t>
-                      </a:r>
-                    </a:p>
-                  </a:txBody>
-                </a:tc>
-                <a:tc>
-                  <a:txBody>
-                    <a:bodyPr/>
-                    <a:lstStyle/>
-                    <a:p>
-                      <a:pPr lvl="0" indent="0" marL="0" algn="ctr">
-                        <a:buNone/>
-                      </a:pPr>
-                      <a:r>
-                        <a:rPr/>
-                        <a:t>3</a:t>
+                        <a:t>Ronnie</a:t>
+                      </a:r>
+                    </a:p>
+                  </a:txBody>
+                </a:tc>
+                <a:tc>
+                  <a:txBody>
+                    <a:bodyPr/>
+                    <a:lstStyle/>
+                    <a:p>
+                      <a:pPr lvl="0" indent="0" marL="0" algn="ctr">
+                        <a:buNone/>
+                      </a:pPr>
+                      <a:r>
+                        <a:rPr/>
+                        <a:t>4</a:t>
                       </a:r>
                     </a:p>
                   </a:txBody>
@@ -5097,7 +4927,7 @@
                       </a:pPr>
                       <a:r>
                         <a:rPr/>
-                        <a:t>2</a:t>
+                        <a:t>3</a:t>
                       </a:r>
                     </a:p>
                   </a:txBody>
@@ -5114,7 +4944,7 @@
                       </a:pPr>
                       <a:r>
                         <a:rPr/>
-                        <a:t>Peely</a:t>
+                        <a:t>Jake</a:t>
                       </a:r>
                     </a:p>
                   </a:txBody>
@@ -5146,7 +4976,39 @@
                       </a:pPr>
                       <a:r>
                         <a:rPr/>
-                        <a:t>Rohan</a:t>
+                        <a:t>Raza</a:t>
+                      </a:r>
+                    </a:p>
+                  </a:txBody>
+                </a:tc>
+                <a:tc>
+                  <a:txBody>
+                    <a:bodyPr/>
+                    <a:lstStyle/>
+                    <a:p>
+                      <a:pPr lvl="0" indent="0" marL="0" algn="ctr">
+                        <a:buNone/>
+                      </a:pPr>
+                      <a:r>
+                        <a:rPr/>
+                        <a:t>2</a:t>
+                      </a:r>
+                    </a:p>
+                  </a:txBody>
+                </a:tc>
+              </a:tr>
+              <a:tr h="0">
+                <a:tc>
+                  <a:txBody>
+                    <a:bodyPr/>
+                    <a:lstStyle/>
+                    <a:p>
+                      <a:pPr lvl="0" indent="0" marL="0" algn="ctr">
+                        <a:buNone/>
+                      </a:pPr>
+                      <a:r>
+                        <a:rPr/>
+                        <a:t>Ben</a:t>
                       </a:r>
                     </a:p>
                   </a:txBody>
@@ -5236,7 +5098,7 @@
             <a:pPr lvl="0"/>
             <a:r>
               <a:rPr/>
-              <a:t>The Nutty Cuckoo Super Kings - 136/8 (16.4) def by Brits Abroad - 140/2 (11.3)</a:t>
+              <a:t>Warthogs CC - 196/4 (20.0) defeated The Nutty Cuckoo Super Kings - 182/4 (20.0)</a:t>
             </a:r>
           </a:p>
           <a:p>
@@ -5247,53 +5109,10 @@
             </a:r>
           </a:p>
           <a:p>
-            <a:pPr lvl="2"/>
-            <a:r>
-              <a:rPr/>
-              <a:t>Jimmy Day - 63 (31)</a:t>
-            </a:r>
-          </a:p>
-          <a:p>
-            <a:pPr lvl="2"/>
-            <a:r>
-              <a:rPr/>
-              <a:t>Rohan Bythell-Douglas - 23 (17)</a:t>
-            </a:r>
-          </a:p>
-          <a:p>
-            <a:pPr lvl="2"/>
-            <a:r>
-              <a:rPr/>
-              <a:t>Pat Danaher - 16 (11)</a:t>
-            </a:r>
-            <a:br/>
-          </a:p>
-          <a:p>
             <a:pPr lvl="1"/>
             <a:r>
               <a:rPr/>
               <a:t>Bowling</a:t>
-            </a:r>
-          </a:p>
-          <a:p>
-            <a:pPr lvl="2"/>
-            <a:r>
-              <a:rPr/>
-              <a:t>Adam Peel - 2/32 (3)</a:t>
-            </a:r>
-          </a:p>
-          <a:p>
-            <a:pPr lvl="2"/>
-            <a:r>
-              <a:rPr/>
-              <a:t>Jimmy Day - 0/6 (1)</a:t>
-            </a:r>
-          </a:p>
-          <a:p>
-            <a:pPr lvl="2"/>
-            <a:r>
-              <a:rPr/>
-              <a:t>Ben Cull - 0/10 (1)</a:t>
             </a:r>
           </a:p>
         </p:txBody>
@@ -6276,35 +6095,35 @@
             <a:pPr lvl="0"/>
             <a:r>
               <a:rPr/>
-              <a:t>1 votes - Hemu</a:t>
+              <a:t>1 votes - Jake</a:t>
             </a:r>
           </a:p>
           <a:p>
             <a:pPr lvl="0"/>
             <a:r>
               <a:rPr/>
-              <a:t>2 votes - Rohan</a:t>
+              <a:t>2 votes - Ronnie</a:t>
             </a:r>
           </a:p>
           <a:p>
             <a:pPr lvl="0"/>
             <a:r>
               <a:rPr/>
-              <a:t>3 votes - Peely</a:t>
+              <a:t>3 votes - Hemu</a:t>
             </a:r>
           </a:p>
           <a:p>
             <a:pPr lvl="0"/>
             <a:r>
               <a:rPr/>
-              <a:t>4 votes - Pat</a:t>
+              <a:t>4 votes - Dan</a:t>
             </a:r>
           </a:p>
           <a:p>
             <a:pPr lvl="0"/>
             <a:r>
               <a:rPr/>
-              <a:t>5 votes - Jimmy</a:t>
+              <a:t>5 votes - Rusty</a:t>
             </a:r>
           </a:p>
         </p:txBody>
@@ -6440,7 +6259,7 @@
                       </a:pPr>
                       <a:r>
                         <a:rPr/>
-                        <a:t>16</a:t>
+                        <a:t>11</a:t>
                       </a:r>
                     </a:p>
                   </a:txBody>
@@ -6457,22 +6276,22 @@
                       </a:pPr>
                       <a:r>
                         <a:rPr/>
-                        <a:t>Mike</a:t>
-                      </a:r>
-                    </a:p>
-                  </a:txBody>
-                </a:tc>
-                <a:tc>
-                  <a:txBody>
-                    <a:bodyPr/>
-                    <a:lstStyle/>
-                    <a:p>
-                      <a:pPr lvl="0" indent="0" marL="0" algn="ctr">
-                        <a:buNone/>
-                      </a:pPr>
-                      <a:r>
-                        <a:rPr/>
-                        <a:t>12</a:t>
+                        <a:t>Dan</a:t>
+                      </a:r>
+                    </a:p>
+                  </a:txBody>
+                </a:tc>
+                <a:tc>
+                  <a:txBody>
+                    <a:bodyPr/>
+                    <a:lstStyle/>
+                    <a:p>
+                      <a:pPr lvl="0" indent="0" marL="0" algn="ctr">
+                        <a:buNone/>
+                      </a:pPr>
+                      <a:r>
+                        <a:rPr/>
+                        <a:t>7</a:t>
                       </a:r>
                     </a:p>
                   </a:txBody>
@@ -6489,22 +6308,22 @@
                       </a:pPr>
                       <a:r>
                         <a:rPr/>
-                        <a:t>Pat</a:t>
-                      </a:r>
-                    </a:p>
-                  </a:txBody>
-                </a:tc>
-                <a:tc>
-                  <a:txBody>
-                    <a:bodyPr/>
-                    <a:lstStyle/>
-                    <a:p>
-                      <a:pPr lvl="0" indent="0" marL="0" algn="ctr">
-                        <a:buNone/>
-                      </a:pPr>
-                      <a:r>
-                        <a:rPr/>
-                        <a:t>9</a:t>
+                        <a:t>Rohan</a:t>
+                      </a:r>
+                    </a:p>
+                  </a:txBody>
+                </a:tc>
+                <a:tc>
+                  <a:txBody>
+                    <a:bodyPr/>
+                    <a:lstStyle/>
+                    <a:p>
+                      <a:pPr lvl="0" indent="0" marL="0" algn="ctr">
+                        <a:buNone/>
+                      </a:pPr>
+                      <a:r>
+                        <a:rPr/>
+                        <a:t>7</a:t>
                       </a:r>
                     </a:p>
                   </a:txBody>
@@ -6521,22 +6340,22 @@
                       </a:pPr>
                       <a:r>
                         <a:rPr/>
-                        <a:t>Ben</a:t>
-                      </a:r>
-                    </a:p>
-                  </a:txBody>
-                </a:tc>
-                <a:tc>
-                  <a:txBody>
-                    <a:bodyPr/>
-                    <a:lstStyle/>
-                    <a:p>
-                      <a:pPr lvl="0" indent="0" marL="0" algn="ctr">
-                        <a:buNone/>
-                      </a:pPr>
-                      <a:r>
-                        <a:rPr/>
-                        <a:t>8</a:t>
+                        <a:t>Ronnie</a:t>
+                      </a:r>
+                    </a:p>
+                  </a:txBody>
+                </a:tc>
+                <a:tc>
+                  <a:txBody>
+                    <a:bodyPr/>
+                    <a:lstStyle/>
+                    <a:p>
+                      <a:pPr lvl="0" indent="0" marL="0" algn="ctr">
+                        <a:buNone/>
+                      </a:pPr>
+                      <a:r>
+                        <a:rPr/>
+                        <a:t>6</a:t>
                       </a:r>
                     </a:p>
                   </a:txBody>
@@ -6553,7 +6372,7 @@
                       </a:pPr>
                       <a:r>
                         <a:rPr/>
-                        <a:t>Reza</a:t>
+                        <a:t>Sheraz</a:t>
                       </a:r>
                     </a:p>
                   </a:txBody>
@@ -6585,7 +6404,7 @@
                       </a:pPr>
                       <a:r>
                         <a:rPr/>
-                        <a:t>Peely</a:t>
+                        <a:t>Alex</a:t>
                       </a:r>
                     </a:p>
                   </a:txBody>
@@ -6617,22 +6436,22 @@
                       </a:pPr>
                       <a:r>
                         <a:rPr/>
-                        <a:t>Hemu</a:t>
-                      </a:r>
-                    </a:p>
-                  </a:txBody>
-                </a:tc>
-                <a:tc>
-                  <a:txBody>
-                    <a:bodyPr/>
-                    <a:lstStyle/>
-                    <a:p>
-                      <a:pPr lvl="0" indent="0" marL="0" algn="ctr">
-                        <a:buNone/>
-                      </a:pPr>
-                      <a:r>
-                        <a:rPr/>
-                        <a:t>4</a:t>
+                        <a:t>Mick</a:t>
+                      </a:r>
+                    </a:p>
+                  </a:txBody>
+                </a:tc>
+                <a:tc>
+                  <a:txBody>
+                    <a:bodyPr/>
+                    <a:lstStyle/>
+                    <a:p>
+                      <a:pPr lvl="0" indent="0" marL="0" algn="ctr">
+                        <a:buNone/>
+                      </a:pPr>
+                      <a:r>
+                        <a:rPr/>
+                        <a:t>5</a:t>
                       </a:r>
                     </a:p>
                   </a:txBody>
@@ -6649,22 +6468,22 @@
                       </a:pPr>
                       <a:r>
                         <a:rPr/>
-                        <a:t>Ronnie</a:t>
-                      </a:r>
-                    </a:p>
-                  </a:txBody>
-                </a:tc>
-                <a:tc>
-                  <a:txBody>
-                    <a:bodyPr/>
-                    <a:lstStyle/>
-                    <a:p>
-                      <a:pPr lvl="0" indent="0" marL="0" algn="ctr">
-                        <a:buNone/>
-                      </a:pPr>
-                      <a:r>
-                        <a:rPr/>
-                        <a:t>4</a:t>
+                        <a:t>Reza</a:t>
+                      </a:r>
+                    </a:p>
+                  </a:txBody>
+                </a:tc>
+                <a:tc>
+                  <a:txBody>
+                    <a:bodyPr/>
+                    <a:lstStyle/>
+                    <a:p>
+                      <a:pPr lvl="0" indent="0" marL="0" algn="ctr">
+                        <a:buNone/>
+                      </a:pPr>
+                      <a:r>
+                        <a:rPr/>
+                        <a:t>5</a:t>
                       </a:r>
                     </a:p>
                   </a:txBody>
@@ -6681,22 +6500,22 @@
                       </a:pPr>
                       <a:r>
                         <a:rPr/>
-                        <a:t>Rohan</a:t>
-                      </a:r>
-                    </a:p>
-                  </a:txBody>
-                </a:tc>
-                <a:tc>
-                  <a:txBody>
-                    <a:bodyPr/>
-                    <a:lstStyle/>
-                    <a:p>
-                      <a:pPr lvl="0" indent="0" marL="0" algn="ctr">
-                        <a:buNone/>
-                      </a:pPr>
-                      <a:r>
-                        <a:rPr/>
-                        <a:t>3</a:t>
+                        <a:t>Rusty</a:t>
+                      </a:r>
+                    </a:p>
+                  </a:txBody>
+                </a:tc>
+                <a:tc>
+                  <a:txBody>
+                    <a:bodyPr/>
+                    <a:lstStyle/>
+                    <a:p>
+                      <a:pPr lvl="0" indent="0" marL="0" algn="ctr">
+                        <a:buNone/>
+                      </a:pPr>
+                      <a:r>
+                        <a:rPr/>
+                        <a:t>5</a:t>
                       </a:r>
                     </a:p>
                   </a:txBody>
@@ -6713,22 +6532,22 @@
                       </a:pPr>
                       <a:r>
                         <a:rPr/>
-                        <a:t>Ruwen</a:t>
-                      </a:r>
-                    </a:p>
-                  </a:txBody>
-                </a:tc>
-                <a:tc>
-                  <a:txBody>
-                    <a:bodyPr/>
-                    <a:lstStyle/>
-                    <a:p>
-                      <a:pPr lvl="0" indent="0" marL="0" algn="ctr">
-                        <a:buNone/>
-                      </a:pPr>
-                      <a:r>
-                        <a:rPr/>
-                        <a:t>3</a:t>
+                        <a:t>Pat</a:t>
+                      </a:r>
+                    </a:p>
+                  </a:txBody>
+                </a:tc>
+                <a:tc>
+                  <a:txBody>
+                    <a:bodyPr/>
+                    <a:lstStyle/>
+                    <a:p>
+                      <a:pPr lvl="0" indent="0" marL="0" algn="ctr">
+                        <a:buNone/>
+                      </a:pPr>
+                      <a:r>
+                        <a:rPr/>
+                        <a:t>4</a:t>
                       </a:r>
                     </a:p>
                   </a:txBody>
@@ -6745,22 +6564,22 @@
                       </a:pPr>
                       <a:r>
                         <a:rPr/>
-                        <a:t>Surya</a:t>
-                      </a:r>
-                    </a:p>
-                  </a:txBody>
-                </a:tc>
-                <a:tc>
-                  <a:txBody>
-                    <a:bodyPr/>
-                    <a:lstStyle/>
-                    <a:p>
-                      <a:pPr lvl="0" indent="0" marL="0" algn="ctr">
-                        <a:buNone/>
-                      </a:pPr>
-                      <a:r>
-                        <a:rPr/>
-                        <a:t>3</a:t>
+                        <a:t>Peely</a:t>
+                      </a:r>
+                    </a:p>
+                  </a:txBody>
+                </a:tc>
+                <a:tc>
+                  <a:txBody>
+                    <a:bodyPr/>
+                    <a:lstStyle/>
+                    <a:p>
+                      <a:pPr lvl="0" indent="0" marL="0" algn="ctr">
+                        <a:buNone/>
+                      </a:pPr>
+                      <a:r>
+                        <a:rPr/>
+                        <a:t>4</a:t>
                       </a:r>
                     </a:p>
                   </a:txBody>
@@ -6777,22 +6596,54 @@
                       </a:pPr>
                       <a:r>
                         <a:rPr/>
-                        <a:t>Dan</a:t>
-                      </a:r>
-                    </a:p>
-                  </a:txBody>
-                </a:tc>
-                <a:tc>
-                  <a:txBody>
-                    <a:bodyPr/>
-                    <a:lstStyle/>
-                    <a:p>
-                      <a:pPr lvl="0" indent="0" marL="0" algn="ctr">
-                        <a:buNone/>
-                      </a:pPr>
-                      <a:r>
-                        <a:rPr/>
-                        <a:t>2</a:t>
+                        <a:t>Hemu</a:t>
+                      </a:r>
+                    </a:p>
+                  </a:txBody>
+                </a:tc>
+                <a:tc>
+                  <a:txBody>
+                    <a:bodyPr/>
+                    <a:lstStyle/>
+                    <a:p>
+                      <a:pPr lvl="0" indent="0" marL="0" algn="ctr">
+                        <a:buNone/>
+                      </a:pPr>
+                      <a:r>
+                        <a:rPr/>
+                        <a:t>3</a:t>
+                      </a:r>
+                    </a:p>
+                  </a:txBody>
+                </a:tc>
+              </a:tr>
+              <a:tr h="0">
+                <a:tc>
+                  <a:txBody>
+                    <a:bodyPr/>
+                    <a:lstStyle/>
+                    <a:p>
+                      <a:pPr lvl="0" indent="0" marL="0" algn="ctr">
+                        <a:buNone/>
+                      </a:pPr>
+                      <a:r>
+                        <a:rPr/>
+                        <a:t>Jake</a:t>
+                      </a:r>
+                    </a:p>
+                  </a:txBody>
+                </a:tc>
+                <a:tc>
+                  <a:txBody>
+                    <a:bodyPr/>
+                    <a:lstStyle/>
+                    <a:p>
+                      <a:pPr lvl="0" indent="0" marL="0" algn="ctr">
+                        <a:buNone/>
+                      </a:pPr>
+                      <a:r>
+                        <a:rPr/>
+                        <a:t>3</a:t>
                       </a:r>
                     </a:p>
                   </a:txBody>
@@ -6802,1667 +6653,6 @@
           </a:graphicData>
         </a:graphic>
       </p:graphicFrame>
-    </p:spTree>
-  </p:cSld>
-</p:sld>
-</file>
-
-<file path=ppt/slides/slide22.xml><?xml version="1.0" encoding="utf-8"?>
-<p:sld xmlns:a="http://schemas.openxmlformats.org/drawingml/2006/main" xmlns:r="http://schemas.openxmlformats.org/officeDocument/2006/relationships" xmlns:p="http://schemas.openxmlformats.org/presentationml/2006/main">
-  <p:cSld>
-    <p:spTree>
-      <p:nvGrpSpPr>
-        <p:cNvPr id="1" name=""/>
-        <p:cNvGrpSpPr/>
-        <p:nvPr/>
-      </p:nvGrpSpPr>
-      <p:grpSpPr>
-        <a:xfrm>
-          <a:off x="0" y="0"/>
-          <a:ext cx="0" cy="0"/>
-          <a:chOff x="0" y="0"/>
-          <a:chExt cx="0" cy="0"/>
-        </a:xfrm>
-      </p:grpSpPr>
-      <p:sp>
-        <p:nvSpPr>
-          <p:cNvPr id="2" name="Title 1"/>
-          <p:cNvSpPr>
-            <a:spLocks noGrp="1"/>
-          </p:cNvSpPr>
-          <p:nvPr>
-            <p:ph type="title"/>
-          </p:nvPr>
-        </p:nvSpPr>
-        <p:spPr/>
-        <p:txBody>
-          <a:bodyPr/>
-          <a:lstStyle/>
-          <a:p>
-            <a:pPr lvl="0" indent="0" marL="0">
-              <a:buNone/>
-            </a:pPr>
-            <a:r>
-              <a:rPr/>
-              <a:t>Match 6 - Result</a:t>
-            </a:r>
-          </a:p>
-        </p:txBody>
-      </p:sp>
-      <p:sp>
-        <p:nvSpPr>
-          <p:cNvPr id="3" name="Content Placeholder 2"/>
-          <p:cNvSpPr>
-            <a:spLocks noGrp="1"/>
-          </p:cNvSpPr>
-          <p:nvPr>
-            <p:ph idx="1"/>
-          </p:nvPr>
-        </p:nvSpPr>
-        <p:spPr/>
-        <p:txBody>
-          <a:bodyPr/>
-          <a:lstStyle/>
-          <a:p>
-            <a:pPr lvl="0"/>
-            <a:r>
-              <a:rPr/>
-              <a:t>Viper heat - 139/6 (18.0) def by The Nutty Cuckoo Super Kings - 143/1 (16.2)</a:t>
-            </a:r>
-          </a:p>
-          <a:p>
-            <a:pPr lvl="1"/>
-            <a:r>
-              <a:rPr/>
-              <a:t>Batting</a:t>
-            </a:r>
-          </a:p>
-          <a:p>
-            <a:pPr lvl="2"/>
-            <a:r>
-              <a:rPr/>
-              <a:t>Daniel Dymond - 53* (41)</a:t>
-            </a:r>
-          </a:p>
-          <a:p>
-            <a:pPr lvl="2"/>
-            <a:r>
-              <a:rPr/>
-              <a:t>Ronald Victor - 50* (27)</a:t>
-            </a:r>
-          </a:p>
-          <a:p>
-            <a:pPr lvl="2"/>
-            <a:r>
-              <a:rPr/>
-              <a:t>Jimmy Day - 24* (11)</a:t>
-            </a:r>
-            <a:br/>
-          </a:p>
-          <a:p>
-            <a:pPr lvl="1"/>
-            <a:r>
-              <a:rPr/>
-              <a:t>Bowling</a:t>
-            </a:r>
-          </a:p>
-          <a:p>
-            <a:pPr lvl="2"/>
-            <a:r>
-              <a:rPr/>
-              <a:t>Daniel Dymond - 2/14 (2)</a:t>
-            </a:r>
-          </a:p>
-          <a:p>
-            <a:pPr lvl="2"/>
-            <a:r>
-              <a:rPr/>
-              <a:t>Adam Peel - 1/7 (3)</a:t>
-            </a:r>
-          </a:p>
-          <a:p>
-            <a:pPr lvl="2"/>
-            <a:r>
-              <a:rPr/>
-              <a:t>Jimmy Day - 1/19 (2)</a:t>
-            </a:r>
-          </a:p>
-        </p:txBody>
-      </p:sp>
-    </p:spTree>
-  </p:cSld>
-</p:sld>
-</file>
-
-<file path=ppt/slides/slide23.xml><?xml version="1.0" encoding="utf-8"?>
-<p:sld xmlns:a="http://schemas.openxmlformats.org/drawingml/2006/main" xmlns:r="http://schemas.openxmlformats.org/officeDocument/2006/relationships" xmlns:p="http://schemas.openxmlformats.org/presentationml/2006/main">
-  <p:cSld>
-    <p:spTree>
-      <p:nvGrpSpPr>
-        <p:cNvPr id="1" name=""/>
-        <p:cNvGrpSpPr/>
-        <p:nvPr/>
-      </p:nvGrpSpPr>
-      <p:grpSpPr>
-        <a:xfrm>
-          <a:off x="0" y="0"/>
-          <a:ext cx="0" cy="0"/>
-          <a:chOff x="0" y="0"/>
-          <a:chExt cx="0" cy="0"/>
-        </a:xfrm>
-      </p:grpSpPr>
-      <p:sp>
-        <p:nvSpPr>
-          <p:cNvPr id="2" name="Title 1"/>
-          <p:cNvSpPr>
-            <a:spLocks noGrp="1"/>
-          </p:cNvSpPr>
-          <p:nvPr>
-            <p:ph type="title"/>
-          </p:nvPr>
-        </p:nvSpPr>
-        <p:spPr/>
-        <p:txBody>
-          <a:bodyPr/>
-          <a:lstStyle/>
-          <a:p>
-            <a:pPr lvl="0" indent="0" marL="0">
-              <a:buNone/>
-            </a:pPr>
-            <a:r>
-              <a:rPr/>
-              <a:t>Match 6 - Votes</a:t>
-            </a:r>
-          </a:p>
-        </p:txBody>
-      </p:sp>
-      <p:sp>
-        <p:nvSpPr>
-          <p:cNvPr id="3" name="Content Placeholder 2"/>
-          <p:cNvSpPr>
-            <a:spLocks noGrp="1"/>
-          </p:cNvSpPr>
-          <p:nvPr>
-            <p:ph idx="1"/>
-          </p:nvPr>
-        </p:nvSpPr>
-        <p:spPr/>
-        <p:txBody>
-          <a:bodyPr/>
-          <a:lstStyle/>
-          <a:p>
-            <a:pPr lvl="0"/>
-            <a:r>
-              <a:rPr/>
-              <a:t>1 votes - Ben</a:t>
-            </a:r>
-          </a:p>
-          <a:p>
-            <a:pPr lvl="0"/>
-            <a:r>
-              <a:rPr/>
-              <a:t>2 votes - Jimmy</a:t>
-            </a:r>
-          </a:p>
-          <a:p>
-            <a:pPr lvl="0"/>
-            <a:r>
-              <a:rPr/>
-              <a:t>3 votes - Ronnie</a:t>
-            </a:r>
-          </a:p>
-          <a:p>
-            <a:pPr lvl="0"/>
-            <a:r>
-              <a:rPr/>
-              <a:t>4 votes - Peely</a:t>
-            </a:r>
-          </a:p>
-          <a:p>
-            <a:pPr lvl="0"/>
-            <a:r>
-              <a:rPr/>
-              <a:t>5 votes - Dan</a:t>
-            </a:r>
-          </a:p>
-        </p:txBody>
-      </p:sp>
-    </p:spTree>
-  </p:cSld>
-</p:sld>
-</file>
-
-<file path=ppt/slides/slide24.xml><?xml version="1.0" encoding="utf-8"?>
-<p:sld xmlns:a="http://schemas.openxmlformats.org/drawingml/2006/main" xmlns:r="http://schemas.openxmlformats.org/officeDocument/2006/relationships" xmlns:p="http://schemas.openxmlformats.org/presentationml/2006/main">
-  <p:cSld>
-    <p:spTree>
-      <p:nvGrpSpPr>
-        <p:cNvPr id="1" name=""/>
-        <p:cNvGrpSpPr/>
-        <p:nvPr/>
-      </p:nvGrpSpPr>
-      <p:grpSpPr>
-        <a:xfrm>
-          <a:off x="0" y="0"/>
-          <a:ext cx="0" cy="0"/>
-          <a:chOff x="0" y="0"/>
-          <a:chExt cx="0" cy="0"/>
-        </a:xfrm>
-      </p:grpSpPr>
-      <p:sp>
-        <p:nvSpPr>
-          <p:cNvPr id="2" name="Title 1"/>
-          <p:cNvSpPr>
-            <a:spLocks noGrp="1"/>
-          </p:cNvSpPr>
-          <p:nvPr>
-            <p:ph type="title"/>
-          </p:nvPr>
-        </p:nvSpPr>
-        <p:spPr/>
-        <p:txBody>
-          <a:bodyPr/>
-          <a:lstStyle/>
-          <a:p>
-            <a:pPr lvl="0" indent="0" marL="0">
-              <a:buNone/>
-            </a:pPr>
-            <a:r>
-              <a:rPr/>
-              <a:t>Match 6 - Leaderboard</a:t>
-            </a:r>
-          </a:p>
-        </p:txBody>
-      </p:sp>
-      <p:graphicFrame>
-        <p:nvGraphicFramePr>
-          <p:cNvPr id="6" name="Content Placeholder 5"/>
-          <p:cNvGraphicFramePr>
-            <a:graphicFrameLocks noGrp="1"/>
-          </p:cNvGraphicFramePr>
-          <p:nvPr>
-            <p:ph idx="1"/>
-          </p:nvPr>
-        </p:nvGraphicFramePr>
-        <p:xfrm>
-          <a:off x="457200" y="1193800"/>
-          <a:ext cx="8229600" cy="3390900"/>
-        </p:xfrm>
-        <a:graphic>
-          <a:graphicData uri="http://schemas.openxmlformats.org/drawingml/2006/table">
-            <a:tbl>
-              <a:tblPr firstRow="1" bandRow="1">
-                <a:tableStyleId>{5C22544A-7EE6-4342-B048-85BDC9FD1C3A}</a:tableStyleId>
-              </a:tblPr>
-              <a:tblGrid>
-                <a:gridCol w="4114800"/>
-                <a:gridCol w="4114800"/>
-              </a:tblGrid>
-              <a:tr h="0">
-                <a:tc>
-                  <a:txBody>
-                    <a:bodyPr/>
-                    <a:lstStyle/>
-                    <a:p>
-                      <a:pPr lvl="0" indent="0" marL="0" algn="ctr">
-                        <a:buNone/>
-                      </a:pPr>
-                      <a:r>
-                        <a:rPr/>
-                        <a:t>name</a:t>
-                      </a:r>
-                    </a:p>
-                  </a:txBody>
-                  <a:tcPr/>
-                </a:tc>
-                <a:tc>
-                  <a:txBody>
-                    <a:bodyPr/>
-                    <a:lstStyle/>
-                    <a:p>
-                      <a:pPr lvl="0" indent="0" marL="0" algn="ctr">
-                        <a:buNone/>
-                      </a:pPr>
-                      <a:r>
-                        <a:rPr/>
-                        <a:t>Votes</a:t>
-                      </a:r>
-                    </a:p>
-                  </a:txBody>
-                  <a:tcPr/>
-                </a:tc>
-              </a:tr>
-              <a:tr h="0">
-                <a:tc>
-                  <a:txBody>
-                    <a:bodyPr/>
-                    <a:lstStyle/>
-                    <a:p>
-                      <a:pPr lvl="0" indent="0" marL="0" algn="ctr">
-                        <a:buNone/>
-                      </a:pPr>
-                      <a:r>
-                        <a:rPr/>
-                        <a:t>Jimmy</a:t>
-                      </a:r>
-                    </a:p>
-                  </a:txBody>
-                </a:tc>
-                <a:tc>
-                  <a:txBody>
-                    <a:bodyPr/>
-                    <a:lstStyle/>
-                    <a:p>
-                      <a:pPr lvl="0" indent="0" marL="0" algn="ctr">
-                        <a:buNone/>
-                      </a:pPr>
-                      <a:r>
-                        <a:rPr/>
-                        <a:t>18</a:t>
-                      </a:r>
-                    </a:p>
-                  </a:txBody>
-                </a:tc>
-              </a:tr>
-              <a:tr h="0">
-                <a:tc>
-                  <a:txBody>
-                    <a:bodyPr/>
-                    <a:lstStyle/>
-                    <a:p>
-                      <a:pPr lvl="0" indent="0" marL="0" algn="ctr">
-                        <a:buNone/>
-                      </a:pPr>
-                      <a:r>
-                        <a:rPr/>
-                        <a:t>Mike</a:t>
-                      </a:r>
-                    </a:p>
-                  </a:txBody>
-                </a:tc>
-                <a:tc>
-                  <a:txBody>
-                    <a:bodyPr/>
-                    <a:lstStyle/>
-                    <a:p>
-                      <a:pPr lvl="0" indent="0" marL="0" algn="ctr">
-                        <a:buNone/>
-                      </a:pPr>
-                      <a:r>
-                        <a:rPr/>
-                        <a:t>12</a:t>
-                      </a:r>
-                    </a:p>
-                  </a:txBody>
-                </a:tc>
-              </a:tr>
-              <a:tr h="0">
-                <a:tc>
-                  <a:txBody>
-                    <a:bodyPr/>
-                    <a:lstStyle/>
-                    <a:p>
-                      <a:pPr lvl="0" indent="0" marL="0" algn="ctr">
-                        <a:buNone/>
-                      </a:pPr>
-                      <a:r>
-                        <a:rPr/>
-                        <a:t>Ben</a:t>
-                      </a:r>
-                    </a:p>
-                  </a:txBody>
-                </a:tc>
-                <a:tc>
-                  <a:txBody>
-                    <a:bodyPr/>
-                    <a:lstStyle/>
-                    <a:p>
-                      <a:pPr lvl="0" indent="0" marL="0" algn="ctr">
-                        <a:buNone/>
-                      </a:pPr>
-                      <a:r>
-                        <a:rPr/>
-                        <a:t>9</a:t>
-                      </a:r>
-                    </a:p>
-                  </a:txBody>
-                </a:tc>
-              </a:tr>
-              <a:tr h="0">
-                <a:tc>
-                  <a:txBody>
-                    <a:bodyPr/>
-                    <a:lstStyle/>
-                    <a:p>
-                      <a:pPr lvl="0" indent="0" marL="0" algn="ctr">
-                        <a:buNone/>
-                      </a:pPr>
-                      <a:r>
-                        <a:rPr/>
-                        <a:t>Pat</a:t>
-                      </a:r>
-                    </a:p>
-                  </a:txBody>
-                </a:tc>
-                <a:tc>
-                  <a:txBody>
-                    <a:bodyPr/>
-                    <a:lstStyle/>
-                    <a:p>
-                      <a:pPr lvl="0" indent="0" marL="0" algn="ctr">
-                        <a:buNone/>
-                      </a:pPr>
-                      <a:r>
-                        <a:rPr/>
-                        <a:t>9</a:t>
-                      </a:r>
-                    </a:p>
-                  </a:txBody>
-                </a:tc>
-              </a:tr>
-              <a:tr h="0">
-                <a:tc>
-                  <a:txBody>
-                    <a:bodyPr/>
-                    <a:lstStyle/>
-                    <a:p>
-                      <a:pPr lvl="0" indent="0" marL="0" algn="ctr">
-                        <a:buNone/>
-                      </a:pPr>
-                      <a:r>
-                        <a:rPr/>
-                        <a:t>Peely</a:t>
-                      </a:r>
-                    </a:p>
-                  </a:txBody>
-                </a:tc>
-                <a:tc>
-                  <a:txBody>
-                    <a:bodyPr/>
-                    <a:lstStyle/>
-                    <a:p>
-                      <a:pPr lvl="0" indent="0" marL="0" algn="ctr">
-                        <a:buNone/>
-                      </a:pPr>
-                      <a:r>
-                        <a:rPr/>
-                        <a:t>9</a:t>
-                      </a:r>
-                    </a:p>
-                  </a:txBody>
-                </a:tc>
-              </a:tr>
-              <a:tr h="0">
-                <a:tc>
-                  <a:txBody>
-                    <a:bodyPr/>
-                    <a:lstStyle/>
-                    <a:p>
-                      <a:pPr lvl="0" indent="0" marL="0" algn="ctr">
-                        <a:buNone/>
-                      </a:pPr>
-                      <a:r>
-                        <a:rPr/>
-                        <a:t>Dan</a:t>
-                      </a:r>
-                    </a:p>
-                  </a:txBody>
-                </a:tc>
-                <a:tc>
-                  <a:txBody>
-                    <a:bodyPr/>
-                    <a:lstStyle/>
-                    <a:p>
-                      <a:pPr lvl="0" indent="0" marL="0" algn="ctr">
-                        <a:buNone/>
-                      </a:pPr>
-                      <a:r>
-                        <a:rPr/>
-                        <a:t>7</a:t>
-                      </a:r>
-                    </a:p>
-                  </a:txBody>
-                </a:tc>
-              </a:tr>
-              <a:tr h="0">
-                <a:tc>
-                  <a:txBody>
-                    <a:bodyPr/>
-                    <a:lstStyle/>
-                    <a:p>
-                      <a:pPr lvl="0" indent="0" marL="0" algn="ctr">
-                        <a:buNone/>
-                      </a:pPr>
-                      <a:r>
-                        <a:rPr/>
-                        <a:t>Ronnie</a:t>
-                      </a:r>
-                    </a:p>
-                  </a:txBody>
-                </a:tc>
-                <a:tc>
-                  <a:txBody>
-                    <a:bodyPr/>
-                    <a:lstStyle/>
-                    <a:p>
-                      <a:pPr lvl="0" indent="0" marL="0" algn="ctr">
-                        <a:buNone/>
-                      </a:pPr>
-                      <a:r>
-                        <a:rPr/>
-                        <a:t>7</a:t>
-                      </a:r>
-                    </a:p>
-                  </a:txBody>
-                </a:tc>
-              </a:tr>
-              <a:tr h="0">
-                <a:tc>
-                  <a:txBody>
-                    <a:bodyPr/>
-                    <a:lstStyle/>
-                    <a:p>
-                      <a:pPr lvl="0" indent="0" marL="0" algn="ctr">
-                        <a:buNone/>
-                      </a:pPr>
-                      <a:r>
-                        <a:rPr/>
-                        <a:t>Reza</a:t>
-                      </a:r>
-                    </a:p>
-                  </a:txBody>
-                </a:tc>
-                <a:tc>
-                  <a:txBody>
-                    <a:bodyPr/>
-                    <a:lstStyle/>
-                    <a:p>
-                      <a:pPr lvl="0" indent="0" marL="0" algn="ctr">
-                        <a:buNone/>
-                      </a:pPr>
-                      <a:r>
-                        <a:rPr/>
-                        <a:t>6</a:t>
-                      </a:r>
-                    </a:p>
-                  </a:txBody>
-                </a:tc>
-              </a:tr>
-              <a:tr h="0">
-                <a:tc>
-                  <a:txBody>
-                    <a:bodyPr/>
-                    <a:lstStyle/>
-                    <a:p>
-                      <a:pPr lvl="0" indent="0" marL="0" algn="ctr">
-                        <a:buNone/>
-                      </a:pPr>
-                      <a:r>
-                        <a:rPr/>
-                        <a:t>Hemu</a:t>
-                      </a:r>
-                    </a:p>
-                  </a:txBody>
-                </a:tc>
-                <a:tc>
-                  <a:txBody>
-                    <a:bodyPr/>
-                    <a:lstStyle/>
-                    <a:p>
-                      <a:pPr lvl="0" indent="0" marL="0" algn="ctr">
-                        <a:buNone/>
-                      </a:pPr>
-                      <a:r>
-                        <a:rPr/>
-                        <a:t>4</a:t>
-                      </a:r>
-                    </a:p>
-                  </a:txBody>
-                </a:tc>
-              </a:tr>
-              <a:tr h="0">
-                <a:tc>
-                  <a:txBody>
-                    <a:bodyPr/>
-                    <a:lstStyle/>
-                    <a:p>
-                      <a:pPr lvl="0" indent="0" marL="0" algn="ctr">
-                        <a:buNone/>
-                      </a:pPr>
-                      <a:r>
-                        <a:rPr/>
-                        <a:t>Rohan</a:t>
-                      </a:r>
-                    </a:p>
-                  </a:txBody>
-                </a:tc>
-                <a:tc>
-                  <a:txBody>
-                    <a:bodyPr/>
-                    <a:lstStyle/>
-                    <a:p>
-                      <a:pPr lvl="0" indent="0" marL="0" algn="ctr">
-                        <a:buNone/>
-                      </a:pPr>
-                      <a:r>
-                        <a:rPr/>
-                        <a:t>3</a:t>
-                      </a:r>
-                    </a:p>
-                  </a:txBody>
-                </a:tc>
-              </a:tr>
-              <a:tr h="0">
-                <a:tc>
-                  <a:txBody>
-                    <a:bodyPr/>
-                    <a:lstStyle/>
-                    <a:p>
-                      <a:pPr lvl="0" indent="0" marL="0" algn="ctr">
-                        <a:buNone/>
-                      </a:pPr>
-                      <a:r>
-                        <a:rPr/>
-                        <a:t>Ruwen</a:t>
-                      </a:r>
-                    </a:p>
-                  </a:txBody>
-                </a:tc>
-                <a:tc>
-                  <a:txBody>
-                    <a:bodyPr/>
-                    <a:lstStyle/>
-                    <a:p>
-                      <a:pPr lvl="0" indent="0" marL="0" algn="ctr">
-                        <a:buNone/>
-                      </a:pPr>
-                      <a:r>
-                        <a:rPr/>
-                        <a:t>3</a:t>
-                      </a:r>
-                    </a:p>
-                  </a:txBody>
-                </a:tc>
-              </a:tr>
-              <a:tr h="0">
-                <a:tc>
-                  <a:txBody>
-                    <a:bodyPr/>
-                    <a:lstStyle/>
-                    <a:p>
-                      <a:pPr lvl="0" indent="0" marL="0" algn="ctr">
-                        <a:buNone/>
-                      </a:pPr>
-                      <a:r>
-                        <a:rPr/>
-                        <a:t>Surya</a:t>
-                      </a:r>
-                    </a:p>
-                  </a:txBody>
-                </a:tc>
-                <a:tc>
-                  <a:txBody>
-                    <a:bodyPr/>
-                    <a:lstStyle/>
-                    <a:p>
-                      <a:pPr lvl="0" indent="0" marL="0" algn="ctr">
-                        <a:buNone/>
-                      </a:pPr>
-                      <a:r>
-                        <a:rPr/>
-                        <a:t>3</a:t>
-                      </a:r>
-                    </a:p>
-                  </a:txBody>
-                </a:tc>
-              </a:tr>
-            </a:tbl>
-          </a:graphicData>
-        </a:graphic>
-      </p:graphicFrame>
-    </p:spTree>
-  </p:cSld>
-</p:sld>
-</file>
-
-<file path=ppt/slides/slide25.xml><?xml version="1.0" encoding="utf-8"?>
-<p:sld xmlns:a="http://schemas.openxmlformats.org/drawingml/2006/main" xmlns:r="http://schemas.openxmlformats.org/officeDocument/2006/relationships" xmlns:p="http://schemas.openxmlformats.org/presentationml/2006/main">
-  <p:cSld>
-    <p:spTree>
-      <p:nvGrpSpPr>
-        <p:cNvPr id="1" name=""/>
-        <p:cNvGrpSpPr/>
-        <p:nvPr/>
-      </p:nvGrpSpPr>
-      <p:grpSpPr>
-        <a:xfrm>
-          <a:off x="0" y="0"/>
-          <a:ext cx="0" cy="0"/>
-          <a:chOff x="0" y="0"/>
-          <a:chExt cx="0" cy="0"/>
-        </a:xfrm>
-      </p:grpSpPr>
-      <p:sp>
-        <p:nvSpPr>
-          <p:cNvPr id="2" name="Title 1"/>
-          <p:cNvSpPr>
-            <a:spLocks noGrp="1"/>
-          </p:cNvSpPr>
-          <p:nvPr>
-            <p:ph type="title"/>
-          </p:nvPr>
-        </p:nvSpPr>
-        <p:spPr/>
-        <p:txBody>
-          <a:bodyPr/>
-          <a:lstStyle/>
-          <a:p>
-            <a:pPr lvl="0" indent="0" marL="0">
-              <a:buNone/>
-            </a:pPr>
-            <a:r>
-              <a:rPr/>
-              <a:t>Match 7 - Result</a:t>
-            </a:r>
-          </a:p>
-        </p:txBody>
-      </p:sp>
-      <p:sp>
-        <p:nvSpPr>
-          <p:cNvPr id="3" name="Content Placeholder 2"/>
-          <p:cNvSpPr>
-            <a:spLocks noGrp="1"/>
-          </p:cNvSpPr>
-          <p:nvPr>
-            <p:ph idx="1"/>
-          </p:nvPr>
-        </p:nvSpPr>
-        <p:spPr/>
-        <p:txBody>
-          <a:bodyPr/>
-          <a:lstStyle/>
-          <a:p>
-            <a:pPr lvl="0"/>
-            <a:r>
-              <a:rPr/>
-              <a:t>Rhodesian Warthogs - 185/7 (20.0) def by The Nutty Cuckoo Super Kings - 186/3 (18.3)</a:t>
-            </a:r>
-          </a:p>
-          <a:p>
-            <a:pPr lvl="1"/>
-            <a:r>
-              <a:rPr/>
-              <a:t>Batting</a:t>
-            </a:r>
-          </a:p>
-          <a:p>
-            <a:pPr lvl="2"/>
-            <a:r>
-              <a:rPr/>
-              <a:t>Ben Cull - 51* (16)</a:t>
-            </a:r>
-          </a:p>
-          <a:p>
-            <a:pPr lvl="2"/>
-            <a:r>
-              <a:rPr/>
-              <a:t>Reza Mohammed - 46* (34)</a:t>
-            </a:r>
-          </a:p>
-          <a:p>
-            <a:pPr lvl="2"/>
-            <a:r>
-              <a:rPr/>
-              <a:t>Daniel Dymond - 30 (18)</a:t>
-            </a:r>
-            <a:br/>
-          </a:p>
-          <a:p>
-            <a:pPr lvl="1"/>
-            <a:r>
-              <a:rPr/>
-              <a:t>Bowling</a:t>
-            </a:r>
-          </a:p>
-          <a:p>
-            <a:pPr lvl="2"/>
-            <a:r>
-              <a:rPr/>
-              <a:t>Jimmy Day - 3/26 (4)</a:t>
-            </a:r>
-          </a:p>
-          <a:p>
-            <a:pPr lvl="2"/>
-            <a:r>
-              <a:rPr/>
-              <a:t>Ben Cull - 1/14 (1)</a:t>
-            </a:r>
-          </a:p>
-          <a:p>
-            <a:pPr lvl="2"/>
-            <a:r>
-              <a:rPr/>
-              <a:t>Daniel Dymond - 1/18 (2)</a:t>
-            </a:r>
-          </a:p>
-        </p:txBody>
-      </p:sp>
-    </p:spTree>
-  </p:cSld>
-</p:sld>
-</file>
-
-<file path=ppt/slides/slide26.xml><?xml version="1.0" encoding="utf-8"?>
-<p:sld xmlns:a="http://schemas.openxmlformats.org/drawingml/2006/main" xmlns:r="http://schemas.openxmlformats.org/officeDocument/2006/relationships" xmlns:p="http://schemas.openxmlformats.org/presentationml/2006/main">
-  <p:cSld>
-    <p:spTree>
-      <p:nvGrpSpPr>
-        <p:cNvPr id="1" name=""/>
-        <p:cNvGrpSpPr/>
-        <p:nvPr/>
-      </p:nvGrpSpPr>
-      <p:grpSpPr>
-        <a:xfrm>
-          <a:off x="0" y="0"/>
-          <a:ext cx="0" cy="0"/>
-          <a:chOff x="0" y="0"/>
-          <a:chExt cx="0" cy="0"/>
-        </a:xfrm>
-      </p:grpSpPr>
-      <p:sp>
-        <p:nvSpPr>
-          <p:cNvPr id="2" name="Title 1"/>
-          <p:cNvSpPr>
-            <a:spLocks noGrp="1"/>
-          </p:cNvSpPr>
-          <p:nvPr>
-            <p:ph type="title"/>
-          </p:nvPr>
-        </p:nvSpPr>
-        <p:spPr/>
-        <p:txBody>
-          <a:bodyPr/>
-          <a:lstStyle/>
-          <a:p>
-            <a:pPr lvl="0" indent="0" marL="0">
-              <a:buNone/>
-            </a:pPr>
-            <a:r>
-              <a:rPr/>
-              <a:t>Match 7 - Votes</a:t>
-            </a:r>
-          </a:p>
-        </p:txBody>
-      </p:sp>
-      <p:sp>
-        <p:nvSpPr>
-          <p:cNvPr id="3" name="Content Placeholder 2"/>
-          <p:cNvSpPr>
-            <a:spLocks noGrp="1"/>
-          </p:cNvSpPr>
-          <p:nvPr>
-            <p:ph idx="1"/>
-          </p:nvPr>
-        </p:nvSpPr>
-        <p:spPr/>
-        <p:txBody>
-          <a:bodyPr/>
-          <a:lstStyle/>
-          <a:p>
-            <a:pPr lvl="0"/>
-            <a:r>
-              <a:rPr/>
-              <a:t>1 votes - Peely</a:t>
-            </a:r>
-          </a:p>
-          <a:p>
-            <a:pPr lvl="0"/>
-            <a:r>
-              <a:rPr/>
-              <a:t>2 votes - Dan</a:t>
-            </a:r>
-          </a:p>
-          <a:p>
-            <a:pPr lvl="0"/>
-            <a:r>
-              <a:rPr/>
-              <a:t>3 votes - Jimmy</a:t>
-            </a:r>
-          </a:p>
-          <a:p>
-            <a:pPr lvl="0"/>
-            <a:r>
-              <a:rPr/>
-              <a:t>4 votes - Reza</a:t>
-            </a:r>
-          </a:p>
-          <a:p>
-            <a:pPr lvl="0"/>
-            <a:r>
-              <a:rPr/>
-              <a:t>5 votes - Ben</a:t>
-            </a:r>
-          </a:p>
-        </p:txBody>
-      </p:sp>
-    </p:spTree>
-  </p:cSld>
-</p:sld>
-</file>
-
-<file path=ppt/slides/slide27.xml><?xml version="1.0" encoding="utf-8"?>
-<p:sld xmlns:a="http://schemas.openxmlformats.org/drawingml/2006/main" xmlns:r="http://schemas.openxmlformats.org/officeDocument/2006/relationships" xmlns:p="http://schemas.openxmlformats.org/presentationml/2006/main">
-  <p:cSld>
-    <p:spTree>
-      <p:nvGrpSpPr>
-        <p:cNvPr id="1" name=""/>
-        <p:cNvGrpSpPr/>
-        <p:nvPr/>
-      </p:nvGrpSpPr>
-      <p:grpSpPr>
-        <a:xfrm>
-          <a:off x="0" y="0"/>
-          <a:ext cx="0" cy="0"/>
-          <a:chOff x="0" y="0"/>
-          <a:chExt cx="0" cy="0"/>
-        </a:xfrm>
-      </p:grpSpPr>
-      <p:sp>
-        <p:nvSpPr>
-          <p:cNvPr id="2" name="Title 1"/>
-          <p:cNvSpPr>
-            <a:spLocks noGrp="1"/>
-          </p:cNvSpPr>
-          <p:nvPr>
-            <p:ph type="title"/>
-          </p:nvPr>
-        </p:nvSpPr>
-        <p:spPr/>
-        <p:txBody>
-          <a:bodyPr/>
-          <a:lstStyle/>
-          <a:p>
-            <a:pPr lvl="0" indent="0" marL="0">
-              <a:buNone/>
-            </a:pPr>
-            <a:r>
-              <a:rPr/>
-              <a:t>Match 7 - Leaderboard</a:t>
-            </a:r>
-          </a:p>
-        </p:txBody>
-      </p:sp>
-      <p:graphicFrame>
-        <p:nvGraphicFramePr>
-          <p:cNvPr id="6" name="Content Placeholder 5"/>
-          <p:cNvGraphicFramePr>
-            <a:graphicFrameLocks noGrp="1"/>
-          </p:cNvGraphicFramePr>
-          <p:nvPr>
-            <p:ph idx="1"/>
-          </p:nvPr>
-        </p:nvGraphicFramePr>
-        <p:xfrm>
-          <a:off x="457200" y="1193800"/>
-          <a:ext cx="8229600" cy="3390900"/>
-        </p:xfrm>
-        <a:graphic>
-          <a:graphicData uri="http://schemas.openxmlformats.org/drawingml/2006/table">
-            <a:tbl>
-              <a:tblPr firstRow="1" bandRow="1">
-                <a:tableStyleId>{5C22544A-7EE6-4342-B048-85BDC9FD1C3A}</a:tableStyleId>
-              </a:tblPr>
-              <a:tblGrid>
-                <a:gridCol w="4114800"/>
-                <a:gridCol w="4114800"/>
-              </a:tblGrid>
-              <a:tr h="0">
-                <a:tc>
-                  <a:txBody>
-                    <a:bodyPr/>
-                    <a:lstStyle/>
-                    <a:p>
-                      <a:pPr lvl="0" indent="0" marL="0" algn="ctr">
-                        <a:buNone/>
-                      </a:pPr>
-                      <a:r>
-                        <a:rPr/>
-                        <a:t>name</a:t>
-                      </a:r>
-                    </a:p>
-                  </a:txBody>
-                  <a:tcPr/>
-                </a:tc>
-                <a:tc>
-                  <a:txBody>
-                    <a:bodyPr/>
-                    <a:lstStyle/>
-                    <a:p>
-                      <a:pPr lvl="0" indent="0" marL="0" algn="ctr">
-                        <a:buNone/>
-                      </a:pPr>
-                      <a:r>
-                        <a:rPr/>
-                        <a:t>Votes</a:t>
-                      </a:r>
-                    </a:p>
-                  </a:txBody>
-                  <a:tcPr/>
-                </a:tc>
-              </a:tr>
-              <a:tr h="0">
-                <a:tc>
-                  <a:txBody>
-                    <a:bodyPr/>
-                    <a:lstStyle/>
-                    <a:p>
-                      <a:pPr lvl="0" indent="0" marL="0" algn="ctr">
-                        <a:buNone/>
-                      </a:pPr>
-                      <a:r>
-                        <a:rPr/>
-                        <a:t>Jimmy</a:t>
-                      </a:r>
-                    </a:p>
-                  </a:txBody>
-                </a:tc>
-                <a:tc>
-                  <a:txBody>
-                    <a:bodyPr/>
-                    <a:lstStyle/>
-                    <a:p>
-                      <a:pPr lvl="0" indent="0" marL="0" algn="ctr">
-                        <a:buNone/>
-                      </a:pPr>
-                      <a:r>
-                        <a:rPr/>
-                        <a:t>21</a:t>
-                      </a:r>
-                    </a:p>
-                  </a:txBody>
-                </a:tc>
-              </a:tr>
-              <a:tr h="0">
-                <a:tc>
-                  <a:txBody>
-                    <a:bodyPr/>
-                    <a:lstStyle/>
-                    <a:p>
-                      <a:pPr lvl="0" indent="0" marL="0" algn="ctr">
-                        <a:buNone/>
-                      </a:pPr>
-                      <a:r>
-                        <a:rPr/>
-                        <a:t>Ben</a:t>
-                      </a:r>
-                    </a:p>
-                  </a:txBody>
-                </a:tc>
-                <a:tc>
-                  <a:txBody>
-                    <a:bodyPr/>
-                    <a:lstStyle/>
-                    <a:p>
-                      <a:pPr lvl="0" indent="0" marL="0" algn="ctr">
-                        <a:buNone/>
-                      </a:pPr>
-                      <a:r>
-                        <a:rPr/>
-                        <a:t>14</a:t>
-                      </a:r>
-                    </a:p>
-                  </a:txBody>
-                </a:tc>
-              </a:tr>
-              <a:tr h="0">
-                <a:tc>
-                  <a:txBody>
-                    <a:bodyPr/>
-                    <a:lstStyle/>
-                    <a:p>
-                      <a:pPr lvl="0" indent="0" marL="0" algn="ctr">
-                        <a:buNone/>
-                      </a:pPr>
-                      <a:r>
-                        <a:rPr/>
-                        <a:t>Mike</a:t>
-                      </a:r>
-                    </a:p>
-                  </a:txBody>
-                </a:tc>
-                <a:tc>
-                  <a:txBody>
-                    <a:bodyPr/>
-                    <a:lstStyle/>
-                    <a:p>
-                      <a:pPr lvl="0" indent="0" marL="0" algn="ctr">
-                        <a:buNone/>
-                      </a:pPr>
-                      <a:r>
-                        <a:rPr/>
-                        <a:t>12</a:t>
-                      </a:r>
-                    </a:p>
-                  </a:txBody>
-                </a:tc>
-              </a:tr>
-              <a:tr h="0">
-                <a:tc>
-                  <a:txBody>
-                    <a:bodyPr/>
-                    <a:lstStyle/>
-                    <a:p>
-                      <a:pPr lvl="0" indent="0" marL="0" algn="ctr">
-                        <a:buNone/>
-                      </a:pPr>
-                      <a:r>
-                        <a:rPr/>
-                        <a:t>Peely</a:t>
-                      </a:r>
-                    </a:p>
-                  </a:txBody>
-                </a:tc>
-                <a:tc>
-                  <a:txBody>
-                    <a:bodyPr/>
-                    <a:lstStyle/>
-                    <a:p>
-                      <a:pPr lvl="0" indent="0" marL="0" algn="ctr">
-                        <a:buNone/>
-                      </a:pPr>
-                      <a:r>
-                        <a:rPr/>
-                        <a:t>10</a:t>
-                      </a:r>
-                    </a:p>
-                  </a:txBody>
-                </a:tc>
-              </a:tr>
-              <a:tr h="0">
-                <a:tc>
-                  <a:txBody>
-                    <a:bodyPr/>
-                    <a:lstStyle/>
-                    <a:p>
-                      <a:pPr lvl="0" indent="0" marL="0" algn="ctr">
-                        <a:buNone/>
-                      </a:pPr>
-                      <a:r>
-                        <a:rPr/>
-                        <a:t>Reza</a:t>
-                      </a:r>
-                    </a:p>
-                  </a:txBody>
-                </a:tc>
-                <a:tc>
-                  <a:txBody>
-                    <a:bodyPr/>
-                    <a:lstStyle/>
-                    <a:p>
-                      <a:pPr lvl="0" indent="0" marL="0" algn="ctr">
-                        <a:buNone/>
-                      </a:pPr>
-                      <a:r>
-                        <a:rPr/>
-                        <a:t>10</a:t>
-                      </a:r>
-                    </a:p>
-                  </a:txBody>
-                </a:tc>
-              </a:tr>
-              <a:tr h="0">
-                <a:tc>
-                  <a:txBody>
-                    <a:bodyPr/>
-                    <a:lstStyle/>
-                    <a:p>
-                      <a:pPr lvl="0" indent="0" marL="0" algn="ctr">
-                        <a:buNone/>
-                      </a:pPr>
-                      <a:r>
-                        <a:rPr/>
-                        <a:t>Dan</a:t>
-                      </a:r>
-                    </a:p>
-                  </a:txBody>
-                </a:tc>
-                <a:tc>
-                  <a:txBody>
-                    <a:bodyPr/>
-                    <a:lstStyle/>
-                    <a:p>
-                      <a:pPr lvl="0" indent="0" marL="0" algn="ctr">
-                        <a:buNone/>
-                      </a:pPr>
-                      <a:r>
-                        <a:rPr/>
-                        <a:t>9</a:t>
-                      </a:r>
-                    </a:p>
-                  </a:txBody>
-                </a:tc>
-              </a:tr>
-              <a:tr h="0">
-                <a:tc>
-                  <a:txBody>
-                    <a:bodyPr/>
-                    <a:lstStyle/>
-                    <a:p>
-                      <a:pPr lvl="0" indent="0" marL="0" algn="ctr">
-                        <a:buNone/>
-                      </a:pPr>
-                      <a:r>
-                        <a:rPr/>
-                        <a:t>Pat</a:t>
-                      </a:r>
-                    </a:p>
-                  </a:txBody>
-                </a:tc>
-                <a:tc>
-                  <a:txBody>
-                    <a:bodyPr/>
-                    <a:lstStyle/>
-                    <a:p>
-                      <a:pPr lvl="0" indent="0" marL="0" algn="ctr">
-                        <a:buNone/>
-                      </a:pPr>
-                      <a:r>
-                        <a:rPr/>
-                        <a:t>9</a:t>
-                      </a:r>
-                    </a:p>
-                  </a:txBody>
-                </a:tc>
-              </a:tr>
-              <a:tr h="0">
-                <a:tc>
-                  <a:txBody>
-                    <a:bodyPr/>
-                    <a:lstStyle/>
-                    <a:p>
-                      <a:pPr lvl="0" indent="0" marL="0" algn="ctr">
-                        <a:buNone/>
-                      </a:pPr>
-                      <a:r>
-                        <a:rPr/>
-                        <a:t>Ronnie</a:t>
-                      </a:r>
-                    </a:p>
-                  </a:txBody>
-                </a:tc>
-                <a:tc>
-                  <a:txBody>
-                    <a:bodyPr/>
-                    <a:lstStyle/>
-                    <a:p>
-                      <a:pPr lvl="0" indent="0" marL="0" algn="ctr">
-                        <a:buNone/>
-                      </a:pPr>
-                      <a:r>
-                        <a:rPr/>
-                        <a:t>7</a:t>
-                      </a:r>
-                    </a:p>
-                  </a:txBody>
-                </a:tc>
-              </a:tr>
-              <a:tr h="0">
-                <a:tc>
-                  <a:txBody>
-                    <a:bodyPr/>
-                    <a:lstStyle/>
-                    <a:p>
-                      <a:pPr lvl="0" indent="0" marL="0" algn="ctr">
-                        <a:buNone/>
-                      </a:pPr>
-                      <a:r>
-                        <a:rPr/>
-                        <a:t>Hemu</a:t>
-                      </a:r>
-                    </a:p>
-                  </a:txBody>
-                </a:tc>
-                <a:tc>
-                  <a:txBody>
-                    <a:bodyPr/>
-                    <a:lstStyle/>
-                    <a:p>
-                      <a:pPr lvl="0" indent="0" marL="0" algn="ctr">
-                        <a:buNone/>
-                      </a:pPr>
-                      <a:r>
-                        <a:rPr/>
-                        <a:t>4</a:t>
-                      </a:r>
-                    </a:p>
-                  </a:txBody>
-                </a:tc>
-              </a:tr>
-              <a:tr h="0">
-                <a:tc>
-                  <a:txBody>
-                    <a:bodyPr/>
-                    <a:lstStyle/>
-                    <a:p>
-                      <a:pPr lvl="0" indent="0" marL="0" algn="ctr">
-                        <a:buNone/>
-                      </a:pPr>
-                      <a:r>
-                        <a:rPr/>
-                        <a:t>Rohan</a:t>
-                      </a:r>
-                    </a:p>
-                  </a:txBody>
-                </a:tc>
-                <a:tc>
-                  <a:txBody>
-                    <a:bodyPr/>
-                    <a:lstStyle/>
-                    <a:p>
-                      <a:pPr lvl="0" indent="0" marL="0" algn="ctr">
-                        <a:buNone/>
-                      </a:pPr>
-                      <a:r>
-                        <a:rPr/>
-                        <a:t>3</a:t>
-                      </a:r>
-                    </a:p>
-                  </a:txBody>
-                </a:tc>
-              </a:tr>
-              <a:tr h="0">
-                <a:tc>
-                  <a:txBody>
-                    <a:bodyPr/>
-                    <a:lstStyle/>
-                    <a:p>
-                      <a:pPr lvl="0" indent="0" marL="0" algn="ctr">
-                        <a:buNone/>
-                      </a:pPr>
-                      <a:r>
-                        <a:rPr/>
-                        <a:t>Ruwen</a:t>
-                      </a:r>
-                    </a:p>
-                  </a:txBody>
-                </a:tc>
-                <a:tc>
-                  <a:txBody>
-                    <a:bodyPr/>
-                    <a:lstStyle/>
-                    <a:p>
-                      <a:pPr lvl="0" indent="0" marL="0" algn="ctr">
-                        <a:buNone/>
-                      </a:pPr>
-                      <a:r>
-                        <a:rPr/>
-                        <a:t>3</a:t>
-                      </a:r>
-                    </a:p>
-                  </a:txBody>
-                </a:tc>
-              </a:tr>
-              <a:tr h="0">
-                <a:tc>
-                  <a:txBody>
-                    <a:bodyPr/>
-                    <a:lstStyle/>
-                    <a:p>
-                      <a:pPr lvl="0" indent="0" marL="0" algn="ctr">
-                        <a:buNone/>
-                      </a:pPr>
-                      <a:r>
-                        <a:rPr/>
-                        <a:t>Surya</a:t>
-                      </a:r>
-                    </a:p>
-                  </a:txBody>
-                </a:tc>
-                <a:tc>
-                  <a:txBody>
-                    <a:bodyPr/>
-                    <a:lstStyle/>
-                    <a:p>
-                      <a:pPr lvl="0" indent="0" marL="0" algn="ctr">
-                        <a:buNone/>
-                      </a:pPr>
-                      <a:r>
-                        <a:rPr/>
-                        <a:t>3</a:t>
-                      </a:r>
-                    </a:p>
-                  </a:txBody>
-                </a:tc>
-              </a:tr>
-            </a:tbl>
-          </a:graphicData>
-        </a:graphic>
-      </p:graphicFrame>
-    </p:spTree>
-  </p:cSld>
-</p:sld>
-</file>
-
-<file path=ppt/slides/slide28.xml><?xml version="1.0" encoding="utf-8"?>
-<p:sld xmlns:a="http://schemas.openxmlformats.org/drawingml/2006/main" xmlns:r="http://schemas.openxmlformats.org/officeDocument/2006/relationships" xmlns:p="http://schemas.openxmlformats.org/presentationml/2006/main">
-  <p:cSld>
-    <p:spTree>
-      <p:nvGrpSpPr>
-        <p:cNvPr id="1" name=""/>
-        <p:cNvGrpSpPr/>
-        <p:nvPr/>
-      </p:nvGrpSpPr>
-      <p:grpSpPr>
-        <a:xfrm>
-          <a:off x="0" y="0"/>
-          <a:ext cx="0" cy="0"/>
-          <a:chOff x="0" y="0"/>
-          <a:chExt cx="0" cy="0"/>
-        </a:xfrm>
-      </p:grpSpPr>
-      <p:sp>
-        <p:nvSpPr>
-          <p:cNvPr id="2" name="Title 1"/>
-          <p:cNvSpPr>
-            <a:spLocks noGrp="1"/>
-          </p:cNvSpPr>
-          <p:nvPr>
-            <p:ph type="title"/>
-          </p:nvPr>
-        </p:nvSpPr>
-        <p:spPr/>
-        <p:txBody>
-          <a:bodyPr/>
-          <a:lstStyle/>
-          <a:p>
-            <a:pPr lvl="0" indent="0" marL="0">
-              <a:buNone/>
-            </a:pPr>
-            <a:r>
-              <a:rPr/>
-              <a:t>Match 8 - Result</a:t>
-            </a:r>
-          </a:p>
-        </p:txBody>
-      </p:sp>
-      <p:sp>
-        <p:nvSpPr>
-          <p:cNvPr id="3" name="Content Placeholder 2"/>
-          <p:cNvSpPr>
-            <a:spLocks noGrp="1"/>
-          </p:cNvSpPr>
-          <p:nvPr>
-            <p:ph idx="1"/>
-          </p:nvPr>
-        </p:nvSpPr>
-        <p:spPr/>
-        <p:txBody>
-          <a:bodyPr/>
-          <a:lstStyle/>
-          <a:p>
-            <a:pPr lvl="0"/>
-            <a:r>
-              <a:rPr/>
-              <a:t>Brits Abroad - 138/8 (17.3) def by The Nutty Cuckoo Super Kings - 139/0 (12.2)</a:t>
-            </a:r>
-          </a:p>
-          <a:p>
-            <a:pPr lvl="1"/>
-            <a:r>
-              <a:rPr/>
-              <a:t>Batting</a:t>
-            </a:r>
-          </a:p>
-          <a:p>
-            <a:pPr lvl="2"/>
-            <a:r>
-              <a:rPr/>
-              <a:t>Surya Yarlagadda - 54* (27)</a:t>
-            </a:r>
-          </a:p>
-          <a:p>
-            <a:pPr lvl="2"/>
-            <a:r>
-              <a:rPr/>
-              <a:t>Reza Mohammed - 51* (25)</a:t>
-            </a:r>
-          </a:p>
-          <a:p>
-            <a:pPr lvl="2"/>
-            <a:r>
-              <a:rPr/>
-              <a:t>Russell Tydens - 21* (5)</a:t>
-            </a:r>
-            <a:br/>
-          </a:p>
-          <a:p>
-            <a:pPr lvl="1"/>
-            <a:r>
-              <a:rPr/>
-              <a:t>Bowling</a:t>
-            </a:r>
-          </a:p>
-          <a:p>
-            <a:pPr lvl="2"/>
-            <a:r>
-              <a:rPr/>
-              <a:t>Russell Tydens - 2/12 (2)</a:t>
-            </a:r>
-          </a:p>
-          <a:p>
-            <a:pPr lvl="2"/>
-            <a:r>
-              <a:rPr/>
-              <a:t>Hemu Bhardwaj - 2/20 (3)</a:t>
-            </a:r>
-          </a:p>
-          <a:p>
-            <a:pPr lvl="2"/>
-            <a:r>
-              <a:rPr/>
-              <a:t>Reza Mohammed - 1/6 (1)</a:t>
-            </a:r>
-          </a:p>
-        </p:txBody>
-      </p:sp>
-    </p:spTree>
-  </p:cSld>
-</p:sld>
-</file>
-
-<file path=ppt/slides/slide29.xml><?xml version="1.0" encoding="utf-8"?>
-<p:sld xmlns:a="http://schemas.openxmlformats.org/drawingml/2006/main" xmlns:r="http://schemas.openxmlformats.org/officeDocument/2006/relationships" xmlns:p="http://schemas.openxmlformats.org/presentationml/2006/main">
-  <p:cSld>
-    <p:spTree>
-      <p:nvGrpSpPr>
-        <p:cNvPr id="1" name=""/>
-        <p:cNvGrpSpPr/>
-        <p:nvPr/>
-      </p:nvGrpSpPr>
-      <p:grpSpPr>
-        <a:xfrm>
-          <a:off x="0" y="0"/>
-          <a:ext cx="0" cy="0"/>
-          <a:chOff x="0" y="0"/>
-          <a:chExt cx="0" cy="0"/>
-        </a:xfrm>
-      </p:grpSpPr>
-      <p:sp>
-        <p:nvSpPr>
-          <p:cNvPr id="2" name="Title 1"/>
-          <p:cNvSpPr>
-            <a:spLocks noGrp="1"/>
-          </p:cNvSpPr>
-          <p:nvPr>
-            <p:ph type="title"/>
-          </p:nvPr>
-        </p:nvSpPr>
-        <p:spPr/>
-        <p:txBody>
-          <a:bodyPr/>
-          <a:lstStyle/>
-          <a:p>
-            <a:pPr lvl="0" indent="0" marL="0">
-              <a:buNone/>
-            </a:pPr>
-            <a:r>
-              <a:rPr/>
-              <a:t>Match 8 - Votes</a:t>
-            </a:r>
-          </a:p>
-        </p:txBody>
-      </p:sp>
-      <p:sp>
-        <p:nvSpPr>
-          <p:cNvPr id="3" name="Content Placeholder 2"/>
-          <p:cNvSpPr>
-            <a:spLocks noGrp="1"/>
-          </p:cNvSpPr>
-          <p:nvPr>
-            <p:ph idx="1"/>
-          </p:nvPr>
-        </p:nvSpPr>
-        <p:spPr/>
-        <p:txBody>
-          <a:bodyPr/>
-          <a:lstStyle/>
-          <a:p>
-            <a:pPr lvl="0"/>
-            <a:r>
-              <a:rPr/>
-              <a:t>1 votes - Hemu</a:t>
-            </a:r>
-          </a:p>
-          <a:p>
-            <a:pPr lvl="0"/>
-            <a:r>
-              <a:rPr/>
-              <a:t>2 votes - Rohan</a:t>
-            </a:r>
-          </a:p>
-          <a:p>
-            <a:pPr lvl="0"/>
-            <a:r>
-              <a:rPr/>
-              <a:t>3 votes - Reza</a:t>
-            </a:r>
-          </a:p>
-          <a:p>
-            <a:pPr lvl="0"/>
-            <a:r>
-              <a:rPr/>
-              <a:t>4 votes - Rusty</a:t>
-            </a:r>
-          </a:p>
-          <a:p>
-            <a:pPr lvl="0"/>
-            <a:r>
-              <a:rPr/>
-              <a:t>5 votes - Surya</a:t>
-            </a:r>
-          </a:p>
-        </p:txBody>
-      </p:sp>
     </p:spTree>
   </p:cSld>
 </p:sld>
@@ -9397,531 +7587,6 @@
                       <a:r>
                         <a:rPr/>
                         <a:t>23.3</a:t>
-                      </a:r>
-                    </a:p>
-                  </a:txBody>
-                </a:tc>
-              </a:tr>
-            </a:tbl>
-          </a:graphicData>
-        </a:graphic>
-      </p:graphicFrame>
-    </p:spTree>
-  </p:cSld>
-</p:sld>
-</file>
-
-<file path=ppt/slides/slide30.xml><?xml version="1.0" encoding="utf-8"?>
-<p:sld xmlns:a="http://schemas.openxmlformats.org/drawingml/2006/main" xmlns:r="http://schemas.openxmlformats.org/officeDocument/2006/relationships" xmlns:p="http://schemas.openxmlformats.org/presentationml/2006/main">
-  <p:cSld>
-    <p:spTree>
-      <p:nvGrpSpPr>
-        <p:cNvPr id="1" name=""/>
-        <p:cNvGrpSpPr/>
-        <p:nvPr/>
-      </p:nvGrpSpPr>
-      <p:grpSpPr>
-        <a:xfrm>
-          <a:off x="0" y="0"/>
-          <a:ext cx="0" cy="0"/>
-          <a:chOff x="0" y="0"/>
-          <a:chExt cx="0" cy="0"/>
-        </a:xfrm>
-      </p:grpSpPr>
-      <p:sp>
-        <p:nvSpPr>
-          <p:cNvPr id="2" name="Title 1"/>
-          <p:cNvSpPr>
-            <a:spLocks noGrp="1"/>
-          </p:cNvSpPr>
-          <p:nvPr>
-            <p:ph type="title"/>
-          </p:nvPr>
-        </p:nvSpPr>
-        <p:spPr/>
-        <p:txBody>
-          <a:bodyPr/>
-          <a:lstStyle/>
-          <a:p>
-            <a:pPr lvl="0" indent="0" marL="0">
-              <a:buNone/>
-            </a:pPr>
-            <a:r>
-              <a:rPr/>
-              <a:t>Match 8 - Leaderboard</a:t>
-            </a:r>
-          </a:p>
-        </p:txBody>
-      </p:sp>
-      <p:graphicFrame>
-        <p:nvGraphicFramePr>
-          <p:cNvPr id="6" name="Content Placeholder 5"/>
-          <p:cNvGraphicFramePr>
-            <a:graphicFrameLocks noGrp="1"/>
-          </p:cNvGraphicFramePr>
-          <p:nvPr>
-            <p:ph idx="1"/>
-          </p:nvPr>
-        </p:nvGraphicFramePr>
-        <p:xfrm>
-          <a:off x="457200" y="1193800"/>
-          <a:ext cx="8229600" cy="3390900"/>
-        </p:xfrm>
-        <a:graphic>
-          <a:graphicData uri="http://schemas.openxmlformats.org/drawingml/2006/table">
-            <a:tbl>
-              <a:tblPr firstRow="1" bandRow="1">
-                <a:tableStyleId>{5C22544A-7EE6-4342-B048-85BDC9FD1C3A}</a:tableStyleId>
-              </a:tblPr>
-              <a:tblGrid>
-                <a:gridCol w="4114800"/>
-                <a:gridCol w="4114800"/>
-              </a:tblGrid>
-              <a:tr h="0">
-                <a:tc>
-                  <a:txBody>
-                    <a:bodyPr/>
-                    <a:lstStyle/>
-                    <a:p>
-                      <a:pPr lvl="0" indent="0" marL="0" algn="ctr">
-                        <a:buNone/>
-                      </a:pPr>
-                      <a:r>
-                        <a:rPr/>
-                        <a:t>name</a:t>
-                      </a:r>
-                    </a:p>
-                  </a:txBody>
-                  <a:tcPr/>
-                </a:tc>
-                <a:tc>
-                  <a:txBody>
-                    <a:bodyPr/>
-                    <a:lstStyle/>
-                    <a:p>
-                      <a:pPr lvl="0" indent="0" marL="0" algn="ctr">
-                        <a:buNone/>
-                      </a:pPr>
-                      <a:r>
-                        <a:rPr/>
-                        <a:t>Votes</a:t>
-                      </a:r>
-                    </a:p>
-                  </a:txBody>
-                  <a:tcPr/>
-                </a:tc>
-              </a:tr>
-              <a:tr h="0">
-                <a:tc>
-                  <a:txBody>
-                    <a:bodyPr/>
-                    <a:lstStyle/>
-                    <a:p>
-                      <a:pPr lvl="0" indent="0" marL="0" algn="ctr">
-                        <a:buNone/>
-                      </a:pPr>
-                      <a:r>
-                        <a:rPr/>
-                        <a:t>Jimmy</a:t>
-                      </a:r>
-                    </a:p>
-                  </a:txBody>
-                </a:tc>
-                <a:tc>
-                  <a:txBody>
-                    <a:bodyPr/>
-                    <a:lstStyle/>
-                    <a:p>
-                      <a:pPr lvl="0" indent="0" marL="0" algn="ctr">
-                        <a:buNone/>
-                      </a:pPr>
-                      <a:r>
-                        <a:rPr/>
-                        <a:t>21</a:t>
-                      </a:r>
-                    </a:p>
-                  </a:txBody>
-                </a:tc>
-              </a:tr>
-              <a:tr h="0">
-                <a:tc>
-                  <a:txBody>
-                    <a:bodyPr/>
-                    <a:lstStyle/>
-                    <a:p>
-                      <a:pPr lvl="0" indent="0" marL="0" algn="ctr">
-                        <a:buNone/>
-                      </a:pPr>
-                      <a:r>
-                        <a:rPr/>
-                        <a:t>Ben</a:t>
-                      </a:r>
-                    </a:p>
-                  </a:txBody>
-                </a:tc>
-                <a:tc>
-                  <a:txBody>
-                    <a:bodyPr/>
-                    <a:lstStyle/>
-                    <a:p>
-                      <a:pPr lvl="0" indent="0" marL="0" algn="ctr">
-                        <a:buNone/>
-                      </a:pPr>
-                      <a:r>
-                        <a:rPr/>
-                        <a:t>14</a:t>
-                      </a:r>
-                    </a:p>
-                  </a:txBody>
-                </a:tc>
-              </a:tr>
-              <a:tr h="0">
-                <a:tc>
-                  <a:txBody>
-                    <a:bodyPr/>
-                    <a:lstStyle/>
-                    <a:p>
-                      <a:pPr lvl="0" indent="0" marL="0" algn="ctr">
-                        <a:buNone/>
-                      </a:pPr>
-                      <a:r>
-                        <a:rPr/>
-                        <a:t>Reza</a:t>
-                      </a:r>
-                    </a:p>
-                  </a:txBody>
-                </a:tc>
-                <a:tc>
-                  <a:txBody>
-                    <a:bodyPr/>
-                    <a:lstStyle/>
-                    <a:p>
-                      <a:pPr lvl="0" indent="0" marL="0" algn="ctr">
-                        <a:buNone/>
-                      </a:pPr>
-                      <a:r>
-                        <a:rPr/>
-                        <a:t>13</a:t>
-                      </a:r>
-                    </a:p>
-                  </a:txBody>
-                </a:tc>
-              </a:tr>
-              <a:tr h="0">
-                <a:tc>
-                  <a:txBody>
-                    <a:bodyPr/>
-                    <a:lstStyle/>
-                    <a:p>
-                      <a:pPr lvl="0" indent="0" marL="0" algn="ctr">
-                        <a:buNone/>
-                      </a:pPr>
-                      <a:r>
-                        <a:rPr/>
-                        <a:t>Mike</a:t>
-                      </a:r>
-                    </a:p>
-                  </a:txBody>
-                </a:tc>
-                <a:tc>
-                  <a:txBody>
-                    <a:bodyPr/>
-                    <a:lstStyle/>
-                    <a:p>
-                      <a:pPr lvl="0" indent="0" marL="0" algn="ctr">
-                        <a:buNone/>
-                      </a:pPr>
-                      <a:r>
-                        <a:rPr/>
-                        <a:t>12</a:t>
-                      </a:r>
-                    </a:p>
-                  </a:txBody>
-                </a:tc>
-              </a:tr>
-              <a:tr h="0">
-                <a:tc>
-                  <a:txBody>
-                    <a:bodyPr/>
-                    <a:lstStyle/>
-                    <a:p>
-                      <a:pPr lvl="0" indent="0" marL="0" algn="ctr">
-                        <a:buNone/>
-                      </a:pPr>
-                      <a:r>
-                        <a:rPr/>
-                        <a:t>Peely</a:t>
-                      </a:r>
-                    </a:p>
-                  </a:txBody>
-                </a:tc>
-                <a:tc>
-                  <a:txBody>
-                    <a:bodyPr/>
-                    <a:lstStyle/>
-                    <a:p>
-                      <a:pPr lvl="0" indent="0" marL="0" algn="ctr">
-                        <a:buNone/>
-                      </a:pPr>
-                      <a:r>
-                        <a:rPr/>
-                        <a:t>10</a:t>
-                      </a:r>
-                    </a:p>
-                  </a:txBody>
-                </a:tc>
-              </a:tr>
-              <a:tr h="0">
-                <a:tc>
-                  <a:txBody>
-                    <a:bodyPr/>
-                    <a:lstStyle/>
-                    <a:p>
-                      <a:pPr lvl="0" indent="0" marL="0" algn="ctr">
-                        <a:buNone/>
-                      </a:pPr>
-                      <a:r>
-                        <a:rPr/>
-                        <a:t>Dan</a:t>
-                      </a:r>
-                    </a:p>
-                  </a:txBody>
-                </a:tc>
-                <a:tc>
-                  <a:txBody>
-                    <a:bodyPr/>
-                    <a:lstStyle/>
-                    <a:p>
-                      <a:pPr lvl="0" indent="0" marL="0" algn="ctr">
-                        <a:buNone/>
-                      </a:pPr>
-                      <a:r>
-                        <a:rPr/>
-                        <a:t>9</a:t>
-                      </a:r>
-                    </a:p>
-                  </a:txBody>
-                </a:tc>
-              </a:tr>
-              <a:tr h="0">
-                <a:tc>
-                  <a:txBody>
-                    <a:bodyPr/>
-                    <a:lstStyle/>
-                    <a:p>
-                      <a:pPr lvl="0" indent="0" marL="0" algn="ctr">
-                        <a:buNone/>
-                      </a:pPr>
-                      <a:r>
-                        <a:rPr/>
-                        <a:t>Pat</a:t>
-                      </a:r>
-                    </a:p>
-                  </a:txBody>
-                </a:tc>
-                <a:tc>
-                  <a:txBody>
-                    <a:bodyPr/>
-                    <a:lstStyle/>
-                    <a:p>
-                      <a:pPr lvl="0" indent="0" marL="0" algn="ctr">
-                        <a:buNone/>
-                      </a:pPr>
-                      <a:r>
-                        <a:rPr/>
-                        <a:t>9</a:t>
-                      </a:r>
-                    </a:p>
-                  </a:txBody>
-                </a:tc>
-              </a:tr>
-              <a:tr h="0">
-                <a:tc>
-                  <a:txBody>
-                    <a:bodyPr/>
-                    <a:lstStyle/>
-                    <a:p>
-                      <a:pPr lvl="0" indent="0" marL="0" algn="ctr">
-                        <a:buNone/>
-                      </a:pPr>
-                      <a:r>
-                        <a:rPr/>
-                        <a:t>Surya</a:t>
-                      </a:r>
-                    </a:p>
-                  </a:txBody>
-                </a:tc>
-                <a:tc>
-                  <a:txBody>
-                    <a:bodyPr/>
-                    <a:lstStyle/>
-                    <a:p>
-                      <a:pPr lvl="0" indent="0" marL="0" algn="ctr">
-                        <a:buNone/>
-                      </a:pPr>
-                      <a:r>
-                        <a:rPr/>
-                        <a:t>8</a:t>
-                      </a:r>
-                    </a:p>
-                  </a:txBody>
-                </a:tc>
-              </a:tr>
-              <a:tr h="0">
-                <a:tc>
-                  <a:txBody>
-                    <a:bodyPr/>
-                    <a:lstStyle/>
-                    <a:p>
-                      <a:pPr lvl="0" indent="0" marL="0" algn="ctr">
-                        <a:buNone/>
-                      </a:pPr>
-                      <a:r>
-                        <a:rPr/>
-                        <a:t>Ronnie</a:t>
-                      </a:r>
-                    </a:p>
-                  </a:txBody>
-                </a:tc>
-                <a:tc>
-                  <a:txBody>
-                    <a:bodyPr/>
-                    <a:lstStyle/>
-                    <a:p>
-                      <a:pPr lvl="0" indent="0" marL="0" algn="ctr">
-                        <a:buNone/>
-                      </a:pPr>
-                      <a:r>
-                        <a:rPr/>
-                        <a:t>7</a:t>
-                      </a:r>
-                    </a:p>
-                  </a:txBody>
-                </a:tc>
-              </a:tr>
-              <a:tr h="0">
-                <a:tc>
-                  <a:txBody>
-                    <a:bodyPr/>
-                    <a:lstStyle/>
-                    <a:p>
-                      <a:pPr lvl="0" indent="0" marL="0" algn="ctr">
-                        <a:buNone/>
-                      </a:pPr>
-                      <a:r>
-                        <a:rPr/>
-                        <a:t>Hemu</a:t>
-                      </a:r>
-                    </a:p>
-                  </a:txBody>
-                </a:tc>
-                <a:tc>
-                  <a:txBody>
-                    <a:bodyPr/>
-                    <a:lstStyle/>
-                    <a:p>
-                      <a:pPr lvl="0" indent="0" marL="0" algn="ctr">
-                        <a:buNone/>
-                      </a:pPr>
-                      <a:r>
-                        <a:rPr/>
-                        <a:t>5</a:t>
-                      </a:r>
-                    </a:p>
-                  </a:txBody>
-                </a:tc>
-              </a:tr>
-              <a:tr h="0">
-                <a:tc>
-                  <a:txBody>
-                    <a:bodyPr/>
-                    <a:lstStyle/>
-                    <a:p>
-                      <a:pPr lvl="0" indent="0" marL="0" algn="ctr">
-                        <a:buNone/>
-                      </a:pPr>
-                      <a:r>
-                        <a:rPr/>
-                        <a:t>Rohan</a:t>
-                      </a:r>
-                    </a:p>
-                  </a:txBody>
-                </a:tc>
-                <a:tc>
-                  <a:txBody>
-                    <a:bodyPr/>
-                    <a:lstStyle/>
-                    <a:p>
-                      <a:pPr lvl="0" indent="0" marL="0" algn="ctr">
-                        <a:buNone/>
-                      </a:pPr>
-                      <a:r>
-                        <a:rPr/>
-                        <a:t>5</a:t>
-                      </a:r>
-                    </a:p>
-                  </a:txBody>
-                </a:tc>
-              </a:tr>
-              <a:tr h="0">
-                <a:tc>
-                  <a:txBody>
-                    <a:bodyPr/>
-                    <a:lstStyle/>
-                    <a:p>
-                      <a:pPr lvl="0" indent="0" marL="0" algn="ctr">
-                        <a:buNone/>
-                      </a:pPr>
-                      <a:r>
-                        <a:rPr/>
-                        <a:t>Rusty</a:t>
-                      </a:r>
-                    </a:p>
-                  </a:txBody>
-                </a:tc>
-                <a:tc>
-                  <a:txBody>
-                    <a:bodyPr/>
-                    <a:lstStyle/>
-                    <a:p>
-                      <a:pPr lvl="0" indent="0" marL="0" algn="ctr">
-                        <a:buNone/>
-                      </a:pPr>
-                      <a:r>
-                        <a:rPr/>
-                        <a:t>4</a:t>
-                      </a:r>
-                    </a:p>
-                  </a:txBody>
-                </a:tc>
-              </a:tr>
-              <a:tr h="0">
-                <a:tc>
-                  <a:txBody>
-                    <a:bodyPr/>
-                    <a:lstStyle/>
-                    <a:p>
-                      <a:pPr lvl="0" indent="0" marL="0" algn="ctr">
-                        <a:buNone/>
-                      </a:pPr>
-                      <a:r>
-                        <a:rPr/>
-                        <a:t>Ruwen</a:t>
-                      </a:r>
-                    </a:p>
-                  </a:txBody>
-                </a:tc>
-                <a:tc>
-                  <a:txBody>
-                    <a:bodyPr/>
-                    <a:lstStyle/>
-                    <a:p>
-                      <a:pPr lvl="0" indent="0" marL="0" algn="ctr">
-                        <a:buNone/>
-                      </a:pPr>
-                      <a:r>
-                        <a:rPr/>
-                        <a:t>3</a:t>
                       </a:r>
                     </a:p>
                   </a:txBody>
@@ -10733,7 +8398,7 @@
             <a:pPr lvl="0"/>
             <a:r>
               <a:rPr/>
-              <a:t>The Nutty Cuckoo Super Kings - 162/5 (20.0) defeated Four Fox Ache - 136/7 (20.0)</a:t>
+              <a:t>Warthogs CC - 167/6 (20.0) defeated The Nutty Cuckoo Super Kings - 100/8 (18.2)</a:t>
             </a:r>
           </a:p>
           <a:p>
@@ -10744,53 +8409,10 @@
             </a:r>
           </a:p>
           <a:p>
-            <a:pPr lvl="2"/>
-            <a:r>
-              <a:rPr/>
-              <a:t>Pat Danaher - 53* (31)</a:t>
-            </a:r>
-          </a:p>
-          <a:p>
-            <a:pPr lvl="2"/>
-            <a:r>
-              <a:rPr/>
-              <a:t>Mike Johnston - 39* (20)</a:t>
-            </a:r>
-          </a:p>
-          <a:p>
-            <a:pPr lvl="2"/>
-            <a:r>
-              <a:rPr/>
-              <a:t>Ben Cull - 23 (14)</a:t>
-            </a:r>
-            <a:br/>
-          </a:p>
-          <a:p>
             <a:pPr lvl="1"/>
             <a:r>
               <a:rPr/>
               <a:t>Bowling</a:t>
-            </a:r>
-          </a:p>
-          <a:p>
-            <a:pPr lvl="2"/>
-            <a:r>
-              <a:rPr/>
-              <a:t>Surya Yarlagadda - 3/33 (4)</a:t>
-            </a:r>
-          </a:p>
-          <a:p>
-            <a:pPr lvl="2"/>
-            <a:r>
-              <a:rPr/>
-              <a:t>Jimmy Day - 2/14 (3)</a:t>
-            </a:r>
-          </a:p>
-          <a:p>
-            <a:pPr lvl="2"/>
-            <a:r>
-              <a:rPr/>
-              <a:t>Mike Johnston - 1/10 (4)</a:t>
             </a:r>
           </a:p>
         </p:txBody>
@@ -10860,35 +8482,35 @@
             <a:pPr lvl="0"/>
             <a:r>
               <a:rPr/>
-              <a:t>1 votes - Dan</a:t>
+              <a:t>1 votes - Sheraz</a:t>
             </a:r>
           </a:p>
           <a:p>
             <a:pPr lvl="0"/>
             <a:r>
               <a:rPr/>
-              <a:t>2 votes - Mike</a:t>
+              <a:t>2 votes - Jake</a:t>
             </a:r>
           </a:p>
           <a:p>
             <a:pPr lvl="0"/>
             <a:r>
               <a:rPr/>
-              <a:t>3 votes - Surya</a:t>
+              <a:t>3 votes - Ronnie</a:t>
             </a:r>
           </a:p>
           <a:p>
             <a:pPr lvl="0"/>
             <a:r>
               <a:rPr/>
-              <a:t>4 votes - Jimmy</a:t>
+              <a:t>4 votes - Rohan</a:t>
             </a:r>
           </a:p>
           <a:p>
             <a:pPr lvl="0"/>
             <a:r>
               <a:rPr/>
-              <a:t>5 votes - Pat</a:t>
+              <a:t>5 votes - Mick</a:t>
             </a:r>
           </a:p>
         </p:txBody>
@@ -11009,7 +8631,7 @@
                       </a:pPr>
                       <a:r>
                         <a:rPr/>
-                        <a:t>Pat</a:t>
+                        <a:t>Mick</a:t>
                       </a:r>
                     </a:p>
                   </a:txBody>
@@ -11041,7 +8663,7 @@
                       </a:pPr>
                       <a:r>
                         <a:rPr/>
-                        <a:t>Jimmy</a:t>
+                        <a:t>Rohan</a:t>
                       </a:r>
                     </a:p>
                   </a:txBody>
@@ -11073,7 +8695,7 @@
                       </a:pPr>
                       <a:r>
                         <a:rPr/>
-                        <a:t>Surya</a:t>
+                        <a:t>Ronnie</a:t>
                       </a:r>
                     </a:p>
                   </a:txBody>
@@ -11105,7 +8727,7 @@
                       </a:pPr>
                       <a:r>
                         <a:rPr/>
-                        <a:t>Mike</a:t>
+                        <a:t>Jake</a:t>
                       </a:r>
                     </a:p>
                   </a:txBody>
@@ -11137,7 +8759,7 @@
                       </a:pPr>
                       <a:r>
                         <a:rPr/>
-                        <a:t>Dan</a:t>
+                        <a:t>Sheraz</a:t>
                       </a:r>
                     </a:p>
                   </a:txBody>
